--- a/Sigma3-Airbnb-Poster v2.pptx
+++ b/Sigma3-Airbnb-Poster v2.pptx
@@ -138,284 +138,6 @@
     </p:ext>
   </p:extLst>
 </p:presentation>
-</file>
-
-<file path=ppt/charts/chart1.xml><?xml version="1.0" encoding="utf-8"?>
-<c:chartSpace xmlns:c="http://schemas.openxmlformats.org/drawingml/2006/chart" xmlns:a="http://schemas.openxmlformats.org/drawingml/2006/main" xmlns:r="http://schemas.openxmlformats.org/officeDocument/2006/relationships" xmlns:c16r2="http://schemas.microsoft.com/office/drawing/2015/06/chart">
-  <c:date1904 val="0"/>
-  <c:lang val="en-US"/>
-  <c:roundedCorners val="0"/>
-  <mc:AlternateContent xmlns:mc="http://schemas.openxmlformats.org/markup-compatibility/2006">
-    <mc:Choice xmlns:c14="http://schemas.microsoft.com/office/drawing/2007/8/2/chart" Requires="c14">
-      <c14:style val="103"/>
-    </mc:Choice>
-    <mc:Fallback>
-      <c:style val="3"/>
-    </mc:Fallback>
-  </mc:AlternateContent>
-  <c:chart>
-    <c:autoTitleDeleted val="0"/>
-    <c:plotArea>
-      <c:layout/>
-      <c:barChart>
-        <c:barDir val="col"/>
-        <c:grouping val="clustered"/>
-        <c:varyColors val="0"/>
-        <c:ser>
-          <c:idx val="0"/>
-          <c:order val="0"/>
-          <c:tx>
-            <c:strRef>
-              <c:f>Sheet1!$B$1</c:f>
-              <c:strCache>
-                <c:ptCount val="1"/>
-                <c:pt idx="0">
-                  <c:v>Series 1</c:v>
-                </c:pt>
-              </c:strCache>
-            </c:strRef>
-          </c:tx>
-          <c:invertIfNegative val="0"/>
-          <c:cat>
-            <c:strRef>
-              <c:f>Sheet1!$A$2:$A$5</c:f>
-              <c:strCache>
-                <c:ptCount val="4"/>
-                <c:pt idx="0">
-                  <c:v>Category 1</c:v>
-                </c:pt>
-                <c:pt idx="1">
-                  <c:v>Category 2</c:v>
-                </c:pt>
-                <c:pt idx="2">
-                  <c:v>Category 3</c:v>
-                </c:pt>
-                <c:pt idx="3">
-                  <c:v>Category 4</c:v>
-                </c:pt>
-              </c:strCache>
-            </c:strRef>
-          </c:cat>
-          <c:val>
-            <c:numRef>
-              <c:f>Sheet1!$B$2:$B$5</c:f>
-              <c:numCache>
-                <c:formatCode>General</c:formatCode>
-                <c:ptCount val="4"/>
-                <c:pt idx="0">
-                  <c:v>4.3</c:v>
-                </c:pt>
-                <c:pt idx="1">
-                  <c:v>2.5</c:v>
-                </c:pt>
-                <c:pt idx="2">
-                  <c:v>3.5</c:v>
-                </c:pt>
-                <c:pt idx="3">
-                  <c:v>4.5</c:v>
-                </c:pt>
-              </c:numCache>
-            </c:numRef>
-          </c:val>
-          <c:extLst>
-            <c:ext xmlns:c16="http://schemas.microsoft.com/office/drawing/2014/chart" uri="{C3380CC4-5D6E-409C-BE32-E72D297353CC}">
-              <c16:uniqueId val="{00000000-1DEF-4F41-9EB8-1A823B1C025F}"/>
-            </c:ext>
-          </c:extLst>
-        </c:ser>
-        <c:ser>
-          <c:idx val="1"/>
-          <c:order val="1"/>
-          <c:tx>
-            <c:strRef>
-              <c:f>Sheet1!$C$1</c:f>
-              <c:strCache>
-                <c:ptCount val="1"/>
-                <c:pt idx="0">
-                  <c:v>Series 2</c:v>
-                </c:pt>
-              </c:strCache>
-            </c:strRef>
-          </c:tx>
-          <c:invertIfNegative val="0"/>
-          <c:cat>
-            <c:strRef>
-              <c:f>Sheet1!$A$2:$A$5</c:f>
-              <c:strCache>
-                <c:ptCount val="4"/>
-                <c:pt idx="0">
-                  <c:v>Category 1</c:v>
-                </c:pt>
-                <c:pt idx="1">
-                  <c:v>Category 2</c:v>
-                </c:pt>
-                <c:pt idx="2">
-                  <c:v>Category 3</c:v>
-                </c:pt>
-                <c:pt idx="3">
-                  <c:v>Category 4</c:v>
-                </c:pt>
-              </c:strCache>
-            </c:strRef>
-          </c:cat>
-          <c:val>
-            <c:numRef>
-              <c:f>Sheet1!$C$2:$C$5</c:f>
-              <c:numCache>
-                <c:formatCode>General</c:formatCode>
-                <c:ptCount val="4"/>
-                <c:pt idx="0">
-                  <c:v>2.4</c:v>
-                </c:pt>
-                <c:pt idx="1">
-                  <c:v>4.4000000000000004</c:v>
-                </c:pt>
-                <c:pt idx="2">
-                  <c:v>1.8</c:v>
-                </c:pt>
-                <c:pt idx="3">
-                  <c:v>2.8</c:v>
-                </c:pt>
-              </c:numCache>
-            </c:numRef>
-          </c:val>
-          <c:extLst>
-            <c:ext xmlns:c16="http://schemas.microsoft.com/office/drawing/2014/chart" uri="{C3380CC4-5D6E-409C-BE32-E72D297353CC}">
-              <c16:uniqueId val="{00000001-1DEF-4F41-9EB8-1A823B1C025F}"/>
-            </c:ext>
-          </c:extLst>
-        </c:ser>
-        <c:ser>
-          <c:idx val="2"/>
-          <c:order val="2"/>
-          <c:tx>
-            <c:strRef>
-              <c:f>Sheet1!$D$1</c:f>
-              <c:strCache>
-                <c:ptCount val="1"/>
-                <c:pt idx="0">
-                  <c:v>Series 3</c:v>
-                </c:pt>
-              </c:strCache>
-            </c:strRef>
-          </c:tx>
-          <c:invertIfNegative val="0"/>
-          <c:cat>
-            <c:strRef>
-              <c:f>Sheet1!$A$2:$A$5</c:f>
-              <c:strCache>
-                <c:ptCount val="4"/>
-                <c:pt idx="0">
-                  <c:v>Category 1</c:v>
-                </c:pt>
-                <c:pt idx="1">
-                  <c:v>Category 2</c:v>
-                </c:pt>
-                <c:pt idx="2">
-                  <c:v>Category 3</c:v>
-                </c:pt>
-                <c:pt idx="3">
-                  <c:v>Category 4</c:v>
-                </c:pt>
-              </c:strCache>
-            </c:strRef>
-          </c:cat>
-          <c:val>
-            <c:numRef>
-              <c:f>Sheet1!$D$2:$D$5</c:f>
-              <c:numCache>
-                <c:formatCode>General</c:formatCode>
-                <c:ptCount val="4"/>
-                <c:pt idx="0">
-                  <c:v>2</c:v>
-                </c:pt>
-                <c:pt idx="1">
-                  <c:v>2</c:v>
-                </c:pt>
-                <c:pt idx="2">
-                  <c:v>3</c:v>
-                </c:pt>
-                <c:pt idx="3">
-                  <c:v>3.4</c:v>
-                </c:pt>
-              </c:numCache>
-            </c:numRef>
-          </c:val>
-          <c:extLst>
-            <c:ext xmlns:c16="http://schemas.microsoft.com/office/drawing/2014/chart" uri="{C3380CC4-5D6E-409C-BE32-E72D297353CC}">
-              <c16:uniqueId val="{00000002-1DEF-4F41-9EB8-1A823B1C025F}"/>
-            </c:ext>
-          </c:extLst>
-        </c:ser>
-        <c:dLbls>
-          <c:showLegendKey val="0"/>
-          <c:showVal val="0"/>
-          <c:showCatName val="0"/>
-          <c:showSerName val="0"/>
-          <c:showPercent val="0"/>
-          <c:showBubbleSize val="0"/>
-        </c:dLbls>
-        <c:gapWidth val="150"/>
-        <c:axId val="523463672"/>
-        <c:axId val="523467592"/>
-      </c:barChart>
-      <c:catAx>
-        <c:axId val="523463672"/>
-        <c:scaling>
-          <c:orientation val="minMax"/>
-        </c:scaling>
-        <c:delete val="0"/>
-        <c:axPos val="b"/>
-        <c:numFmt formatCode="General" sourceLinked="0"/>
-        <c:majorTickMark val="out"/>
-        <c:minorTickMark val="none"/>
-        <c:tickLblPos val="nextTo"/>
-        <c:crossAx val="523467592"/>
-        <c:crosses val="autoZero"/>
-        <c:auto val="1"/>
-        <c:lblAlgn val="ctr"/>
-        <c:lblOffset val="100"/>
-        <c:noMultiLvlLbl val="0"/>
-      </c:catAx>
-      <c:valAx>
-        <c:axId val="523467592"/>
-        <c:scaling>
-          <c:orientation val="minMax"/>
-        </c:scaling>
-        <c:delete val="0"/>
-        <c:axPos val="l"/>
-        <c:majorGridlines/>
-        <c:numFmt formatCode="General" sourceLinked="1"/>
-        <c:majorTickMark val="out"/>
-        <c:minorTickMark val="none"/>
-        <c:tickLblPos val="nextTo"/>
-        <c:crossAx val="523463672"/>
-        <c:crosses val="autoZero"/>
-        <c:crossBetween val="between"/>
-      </c:valAx>
-    </c:plotArea>
-    <c:legend>
-      <c:legendPos val="r"/>
-      <c:overlay val="0"/>
-    </c:legend>
-    <c:plotVisOnly val="1"/>
-    <c:dispBlanksAs val="gap"/>
-    <c:showDLblsOverMax val="0"/>
-  </c:chart>
-  <c:txPr>
-    <a:bodyPr/>
-    <a:lstStyle/>
-    <a:p>
-      <a:pPr>
-        <a:defRPr sz="1800"/>
-      </a:pPr>
-      <a:endParaRPr lang="en-US"/>
-    </a:p>
-  </c:txPr>
-  <c:externalData r:id="rId1">
-    <c:autoUpdate val="0"/>
-  </c:externalData>
-</c:chartSpace>
 </file>
 
 <file path=ppt/handoutMasters/handoutMaster1.xml><?xml version="1.0" encoding="utf-8"?>
@@ -2886,7 +2608,7 @@
           <a:p>
             <a:pPr algn="ctr" eaLnBrk="1" hangingPunct="1"/>
             <a:r>
-              <a:rPr lang="en-US" sz="4800" b="1" dirty="0" err="1">
+              <a:rPr lang="en-US" sz="4800" b="1" dirty="0">
                 <a:solidFill>
                   <a:schemeClr val="accent3">
                     <a:lumMod val="20000"/>
@@ -2894,18 +2616,7 @@
                   </a:schemeClr>
                 </a:solidFill>
               </a:rPr>
-              <a:t>RegressionModeling</a:t>
-            </a:r>
-            <a:r>
-              <a:rPr lang="en-US" sz="4800" b="1" dirty="0">
-                <a:solidFill>
-                  <a:schemeClr val="accent3">
-                    <a:lumMod val="20000"/>
-                    <a:lumOff val="80000"/>
-                  </a:schemeClr>
-                </a:solidFill>
-              </a:rPr>
-              <a:t> Using Airbnb Data of Melbourne  </a:t>
+              <a:t>Regression Modeling Using Airbnb Data of Melbourne  </a:t>
             </a:r>
           </a:p>
           <a:p>
@@ -3263,8 +2974,39 @@
             </a:pPr>
             <a:r>
               <a:rPr lang="en-US" sz="900" dirty="0"/>
-              <a:t> </a:t>
-            </a:r>
+              <a:t>Tyler </a:t>
+            </a:r>
+            <a:r>
+              <a:rPr lang="en-US" sz="900" dirty="0" err="1"/>
+              <a:t>Xie</a:t>
+            </a:r>
+            <a:r>
+              <a:rPr lang="en-US" sz="900" dirty="0"/>
+              <a:t>. (2019). </a:t>
+            </a:r>
+            <a:r>
+              <a:rPr lang="en-US" sz="900" i="1" dirty="0"/>
+              <a:t>Melbourne </a:t>
+            </a:r>
+            <a:r>
+              <a:rPr lang="en-US" sz="900" i="1" dirty="0" err="1"/>
+              <a:t>AirBnB</a:t>
+            </a:r>
+            <a:r>
+              <a:rPr lang="en-US" sz="900" i="1" dirty="0"/>
+              <a:t> Open Data</a:t>
+            </a:r>
+            <a:r>
+              <a:rPr lang="en-US" sz="900" dirty="0"/>
+              <a:t>. (Version 10) [Data files]. Retrieved from </a:t>
+            </a:r>
+            <a:r>
+              <a:rPr lang="en-US" sz="900" dirty="0">
+                <a:hlinkClick r:id="rId2"/>
+              </a:rPr>
+              <a:t>https://www.kaggle.com/tylerx/melbourne-airbnb-open-data/</a:t>
+            </a:r>
+            <a:endParaRPr lang="en-US" sz="900" dirty="0"/>
           </a:p>
           <a:p>
             <a:pPr marL="244855" indent="-244855">
@@ -3272,8 +3014,20 @@
               <a:buAutoNum type="arabicPeriod"/>
             </a:pPr>
             <a:r>
+              <a:rPr lang="en-US" sz="900" dirty="0" err="1"/>
+              <a:t>Vuong</a:t>
+            </a:r>
+            <a:r>
               <a:rPr lang="en-US" sz="900" dirty="0"/>
-              <a:t> </a:t>
+              <a:t>, Quang H. (1989). "Likelihood Ratio Tests for Model Selection and non-nested Hypotheses". </a:t>
+            </a:r>
+            <a:r>
+              <a:rPr lang="en-US" sz="900" dirty="0" err="1"/>
+              <a:t>Econometrica</a:t>
+            </a:r>
+            <a:r>
+              <a:rPr lang="en-US" sz="900" dirty="0"/>
+              <a:t>. 57 (2): 307–333. JSTOR 1912557.</a:t>
             </a:r>
           </a:p>
           <a:p>
@@ -3282,86 +3036,29 @@
               <a:buAutoNum type="arabicPeriod"/>
             </a:pPr>
             <a:r>
+              <a:rPr lang="en-US" sz="900" dirty="0" err="1"/>
+              <a:t>Agresti</a:t>
+            </a:r>
+            <a:r>
               <a:rPr lang="en-US" sz="900" dirty="0"/>
-              <a:t> </a:t>
-            </a:r>
-          </a:p>
-          <a:p>
-            <a:pPr marL="244855" indent="-244855">
-              <a:buFont typeface="+mj-lt"/>
-              <a:buAutoNum type="arabicPeriod"/>
-            </a:pPr>
+              <a:t>, Alan. (2012) </a:t>
+            </a:r>
+            <a:r>
+              <a:rPr lang="en-US" sz="900" i="1" dirty="0"/>
+              <a:t>Categorical Data Analysis (3</a:t>
+            </a:r>
+            <a:r>
+              <a:rPr lang="en-US" sz="900" i="1" baseline="30000" dirty="0"/>
+              <a:t>rd</a:t>
+            </a:r>
+            <a:r>
+              <a:rPr lang="en-US" sz="900" i="1" dirty="0"/>
+              <a:t> ed.)</a:t>
+            </a:r>
             <a:r>
               <a:rPr lang="en-US" sz="900" dirty="0"/>
-              <a:t> </a:t>
-            </a:r>
-          </a:p>
-          <a:p>
-            <a:pPr marL="244855" indent="-244855">
-              <a:buFont typeface="+mj-lt"/>
-              <a:buAutoNum type="arabicPeriod"/>
-            </a:pPr>
-            <a:r>
-              <a:rPr lang="en-US" sz="900" dirty="0"/>
-              <a:t> </a:t>
-            </a:r>
-          </a:p>
-          <a:p>
-            <a:pPr marL="244855" indent="-244855">
-              <a:buFont typeface="+mj-lt"/>
-              <a:buAutoNum type="arabicPeriod"/>
-            </a:pPr>
-            <a:r>
-              <a:rPr lang="en-US" sz="900" dirty="0"/>
-              <a:t> </a:t>
-            </a:r>
-          </a:p>
-          <a:p>
-            <a:pPr marL="244855" indent="-244855">
-              <a:buFont typeface="+mj-lt"/>
-              <a:buAutoNum type="arabicPeriod"/>
-            </a:pPr>
-            <a:r>
-              <a:rPr lang="en-US" sz="900" dirty="0"/>
-              <a:t> </a:t>
-            </a:r>
-          </a:p>
-          <a:p>
-            <a:pPr marL="244855" indent="-244855">
-              <a:buFont typeface="+mj-lt"/>
-              <a:buAutoNum type="arabicPeriod"/>
-            </a:pPr>
-            <a:r>
-              <a:rPr lang="en-US" sz="900" dirty="0"/>
-              <a:t> </a:t>
-            </a:r>
-          </a:p>
-          <a:p>
-            <a:pPr marL="244855" indent="-244855">
-              <a:buFont typeface="+mj-lt"/>
-              <a:buAutoNum type="arabicPeriod"/>
-            </a:pPr>
-            <a:r>
-              <a:rPr lang="en-US" sz="900" dirty="0"/>
-              <a:t> </a:t>
-            </a:r>
-          </a:p>
-          <a:p>
-            <a:pPr marL="244855" indent="-244855">
-              <a:buFont typeface="+mj-lt"/>
-              <a:buAutoNum type="arabicPeriod"/>
-            </a:pPr>
-            <a:r>
-              <a:rPr lang="en-US" sz="900" dirty="0"/>
-              <a:t>  </a:t>
-            </a:r>
-          </a:p>
-          <a:p>
-            <a:pPr marL="244855" indent="-244855">
-              <a:buFont typeface="+mj-lt"/>
-              <a:buAutoNum type="arabicPeriod"/>
-            </a:pPr>
-            <a:endParaRPr lang="en-US" sz="900" dirty="0"/>
+              <a:t>. Hoboken, NJ: John Wiley and Sons</a:t>
+            </a:r>
           </a:p>
         </p:txBody>
       </p:sp>
@@ -3761,130 +3458,78 @@
             </a:lvl9pPr>
           </a:lstStyle>
           <a:p>
-            <a:pPr marL="342900" indent="-342900" eaLnBrk="1" hangingPunct="1">
-              <a:buFont typeface="Arial" panose="020B0604020202020204" pitchFamily="34" charset="0"/>
-              <a:buChar char="•"/>
-            </a:pPr>
+            <a:pPr eaLnBrk="1" hangingPunct="1"/>
             <a:r>
               <a:rPr lang="en-US" sz="2000" dirty="0">
                 <a:latin typeface="Calibri" pitchFamily="34" charset="0"/>
               </a:rPr>
-              <a:t>Ran Poisson, negative binomial Poisson, quasi-Poisson, zero-inflated Poisson, zero-inflated negative binomial</a:t>
-            </a:r>
-          </a:p>
-          <a:p>
-            <a:pPr marL="342900" indent="-342900" eaLnBrk="1" hangingPunct="1">
-              <a:buFont typeface="Arial" panose="020B0604020202020204" pitchFamily="34" charset="0"/>
-              <a:buChar char="•"/>
-            </a:pPr>
-            <a:r>
+              <a:t>We tested the Poisson, negative binomial Poisson, quasi-Poisson, zero-inflated Poisson, zero-inflated negative binomial models. We also compared Poisson models with 0 </a:t>
+            </a:r>
+          </a:p>
+          <a:p>
+            <a:pPr eaLnBrk="1" hangingPunct="1"/>
+            <a:br>
               <a:rPr lang="en-US" sz="2000" dirty="0">
                 <a:latin typeface="Calibri" pitchFamily="34" charset="0"/>
               </a:rPr>
-              <a:t>Using </a:t>
-            </a:r>
-            <a:r>
-              <a:rPr lang="en-US" sz="2000" dirty="0" err="1">
-                <a:latin typeface="Calibri" pitchFamily="34" charset="0"/>
-              </a:rPr>
-              <a:t>Vuong</a:t>
-            </a:r>
+            </a:br>
             <a:r>
               <a:rPr lang="en-US" sz="2000" dirty="0">
                 <a:latin typeface="Calibri" pitchFamily="34" charset="0"/>
               </a:rPr>
-              <a:t> test, determined that</a:t>
-            </a:r>
-          </a:p>
-          <a:p>
-            <a:pPr marL="1085850" lvl="1" indent="-342900" eaLnBrk="1" hangingPunct="1">
-              <a:buFont typeface="Arial" panose="020B0604020202020204" pitchFamily="34" charset="0"/>
-              <a:buChar char="•"/>
-            </a:pPr>
+              <a:t>For the quasi-Poisson, due to irregular outputs with an extremely high predicted </a:t>
+            </a:r>
+            <a:r>
+              <a:rPr lang="el-GR" sz="2000" dirty="0">
+                <a:latin typeface="Calibri" pitchFamily="34" charset="0"/>
+              </a:rPr>
+              <a:t>φ</a:t>
+            </a:r>
             <a:r>
               <a:rPr lang="en-US" sz="2000" dirty="0">
                 <a:latin typeface="Calibri" pitchFamily="34" charset="0"/>
               </a:rPr>
-              <a:t>negative binomial &gt; Poisson</a:t>
-            </a:r>
-          </a:p>
-          <a:p>
-            <a:pPr marL="1085850" lvl="1" indent="-342900" eaLnBrk="1" hangingPunct="1">
-              <a:buFont typeface="Arial" panose="020B0604020202020204" pitchFamily="34" charset="0"/>
-              <a:buChar char="•"/>
-            </a:pPr>
-            <a:r>
-              <a:rPr lang="en-US" sz="2000" dirty="0">
-                <a:latin typeface="Calibri" pitchFamily="34" charset="0"/>
-              </a:rPr>
-              <a:t>Negative binomial &gt; zero-inflated Poisson</a:t>
-            </a:r>
-          </a:p>
-          <a:p>
-            <a:pPr marL="1085850" lvl="1" indent="-342900" eaLnBrk="1" hangingPunct="1">
-              <a:buFont typeface="Arial" panose="020B0604020202020204" pitchFamily="34" charset="0"/>
-              <a:buChar char="•"/>
-            </a:pPr>
-            <a:r>
-              <a:rPr lang="en-US" sz="2000" dirty="0">
-                <a:latin typeface="Calibri" pitchFamily="34" charset="0"/>
-              </a:rPr>
-              <a:t>Zero-inflated negative binomial &gt; negative binomial</a:t>
-            </a:r>
-          </a:p>
-          <a:p>
-            <a:pPr marL="1085850" lvl="1" indent="-342900" eaLnBrk="1" hangingPunct="1">
-              <a:buFont typeface="Arial" panose="020B0604020202020204" pitchFamily="34" charset="0"/>
-              <a:buChar char="•"/>
-            </a:pPr>
-            <a:r>
-              <a:rPr lang="en-US" sz="2000" dirty="0">
-                <a:latin typeface="Calibri" pitchFamily="34" charset="0"/>
-              </a:rPr>
-              <a:t>Zero-inflated negative binomial &gt; zero-inflated Poisson</a:t>
-            </a:r>
-          </a:p>
-          <a:p>
-            <a:pPr marL="1085850" lvl="1" indent="-342900" eaLnBrk="1" hangingPunct="1">
-              <a:buFont typeface="Arial" panose="020B0604020202020204" pitchFamily="34" charset="0"/>
-              <a:buChar char="•"/>
-            </a:pPr>
-            <a:r>
-              <a:rPr lang="en-US" sz="2000" dirty="0">
-                <a:latin typeface="Calibri" pitchFamily="34" charset="0"/>
-              </a:rPr>
-              <a:t>Zero-inflated negative binomial &gt; Poisson</a:t>
-            </a:r>
-          </a:p>
-          <a:p>
-            <a:pPr marL="342900" indent="-342900" eaLnBrk="1" hangingPunct="1">
-              <a:buFont typeface="Arial" panose="020B0604020202020204" pitchFamily="34" charset="0"/>
-              <a:buChar char="•"/>
-            </a:pPr>
-            <a:r>
-              <a:rPr lang="en-US" sz="2000" dirty="0">
-                <a:latin typeface="Calibri" pitchFamily="34" charset="0"/>
-              </a:rPr>
-              <a:t>Quasi-Poisson estimation output hard to understand. Output nearly identical to Poisson</a:t>
-            </a:r>
-            <a:r>
-              <a:rPr lang="en-US" sz="2000">
-                <a:latin typeface="Calibri" pitchFamily="34" charset="0"/>
-              </a:rPr>
-              <a:t>, overdispersion parameter very large</a:t>
-            </a:r>
+              <a:t> value, we decided to not leverage this model.</a:t>
+            </a:r>
+          </a:p>
+          <a:p>
+            <a:pPr eaLnBrk="1" hangingPunct="1"/>
             <a:endParaRPr lang="en-US" sz="2000" dirty="0">
               <a:latin typeface="Calibri" pitchFamily="34" charset="0"/>
             </a:endParaRPr>
           </a:p>
           <a:p>
-            <a:pPr marL="342900" indent="-342900" eaLnBrk="1" hangingPunct="1">
-              <a:buFont typeface="Arial" panose="020B0604020202020204" pitchFamily="34" charset="0"/>
-              <a:buChar char="•"/>
-            </a:pPr>
-            <a:endParaRPr lang="en-US" sz="2000" dirty="0">
-              <a:latin typeface="Calibri" pitchFamily="34" charset="0"/>
-            </a:endParaRPr>
+            <a:pPr eaLnBrk="1" hangingPunct="1"/>
+            <a:r>
+              <a:rPr lang="en-US" sz="2000" dirty="0">
+                <a:latin typeface="Calibri" pitchFamily="34" charset="0"/>
+              </a:rPr>
+              <a:t>We then compared them using the </a:t>
+            </a:r>
+            <a:r>
+              <a:rPr lang="en-US" sz="2000" dirty="0" err="1">
+                <a:latin typeface="Calibri" pitchFamily="34" charset="0"/>
+              </a:rPr>
+              <a:t>Vuong</a:t>
+            </a:r>
+            <a:r>
+              <a:rPr lang="en-US" sz="2000" dirty="0">
+                <a:latin typeface="Calibri" pitchFamily="34" charset="0"/>
+              </a:rPr>
+              <a:t> test, and concluded that there were clear advantages to both the negative binomial and zero-inflated models, with the zero-inflated negative binomial being the clear winner. All </a:t>
+            </a:r>
+            <a:r>
+              <a:rPr lang="en-US" sz="2000" dirty="0" err="1">
+                <a:latin typeface="Calibri" pitchFamily="34" charset="0"/>
+              </a:rPr>
+              <a:t>Vuong</a:t>
+            </a:r>
+            <a:r>
+              <a:rPr lang="en-US" sz="2000" dirty="0">
+                <a:latin typeface="Calibri" pitchFamily="34" charset="0"/>
+              </a:rPr>
+              <a:t> test results are summarized in the table below.</a:t>
+            </a:r>
           </a:p>
         </p:txBody>
       </p:sp>
@@ -4843,7 +4488,7 @@
                 <a:avLst/>
               </a:prstGeom>
               <a:blipFill>
-                <a:blip r:embed="rId2"/>
+                <a:blip r:embed="rId3"/>
                 <a:stretch>
                   <a:fillRect l="-493" b="-2171"/>
                 </a:stretch>
@@ -4939,7 +4584,7 @@
         <p:spPr bwMode="auto">
           <a:xfrm>
             <a:off x="21945600" y="8737600"/>
-            <a:ext cx="9875520" cy="4198892"/>
+            <a:ext cx="9875520" cy="5122220"/>
           </a:xfrm>
           <a:prstGeom prst="rect">
             <a:avLst/>
@@ -5061,67 +4706,355 @@
           <a:p>
             <a:pPr eaLnBrk="1" hangingPunct="1"/>
             <a:r>
-              <a:rPr lang="en-US" sz="2000" dirty="0">
-                <a:latin typeface="Calibri" pitchFamily="34" charset="0"/>
-              </a:rPr>
-              <a:t>Click here to insert your Discussion text. Type it in or copy and paste from your Word document or other source.</a:t>
+              <a:rPr lang="en-US" sz="1200" dirty="0">
+                <a:latin typeface="Lucida Console" panose="020B0609040504020204" pitchFamily="49" charset="0"/>
+              </a:rPr>
+              <a:t>Call:</a:t>
             </a:r>
           </a:p>
           <a:p>
             <a:pPr eaLnBrk="1" hangingPunct="1"/>
-            <a:endParaRPr lang="en-US" sz="2000" dirty="0">
-              <a:latin typeface="Calibri" pitchFamily="34" charset="0"/>
+            <a:r>
+              <a:rPr lang="en-US" sz="1200" dirty="0" err="1">
+                <a:latin typeface="Lucida Console" panose="020B0609040504020204" pitchFamily="49" charset="0"/>
+              </a:rPr>
+              <a:t>zeroinfl</a:t>
+            </a:r>
+            <a:r>
+              <a:rPr lang="en-US" sz="1200" dirty="0">
+                <a:latin typeface="Lucida Console" panose="020B0609040504020204" pitchFamily="49" charset="0"/>
+              </a:rPr>
+              <a:t>(formula = </a:t>
+            </a:r>
+            <a:r>
+              <a:rPr lang="en-US" sz="1200" dirty="0" err="1">
+                <a:latin typeface="Lucida Console" panose="020B0609040504020204" pitchFamily="49" charset="0"/>
+              </a:rPr>
+              <a:t>number_of_reviews</a:t>
+            </a:r>
+            <a:r>
+              <a:rPr lang="en-US" sz="1200" dirty="0">
+                <a:latin typeface="Lucida Console" panose="020B0609040504020204" pitchFamily="49" charset="0"/>
+              </a:rPr>
+              <a:t> ~ price + availability_365 + </a:t>
+            </a:r>
+            <a:r>
+              <a:rPr lang="en-US" sz="1200" dirty="0" err="1">
+                <a:latin typeface="Lucida Console" panose="020B0609040504020204" pitchFamily="49" charset="0"/>
+              </a:rPr>
+              <a:t>instant_bookable</a:t>
+            </a:r>
+            <a:r>
+              <a:rPr lang="en-US" sz="1200" dirty="0">
+                <a:latin typeface="Lucida Console" panose="020B0609040504020204" pitchFamily="49" charset="0"/>
+              </a:rPr>
+              <a:t> + offset(log(months)), </a:t>
+            </a:r>
+          </a:p>
+          <a:p>
+            <a:pPr eaLnBrk="1" hangingPunct="1"/>
+            <a:r>
+              <a:rPr lang="en-US" sz="1200" dirty="0">
+                <a:latin typeface="Lucida Console" panose="020B0609040504020204" pitchFamily="49" charset="0"/>
+              </a:rPr>
+              <a:t>    data = </a:t>
+            </a:r>
+            <a:r>
+              <a:rPr lang="en-US" sz="1200" dirty="0" err="1">
+                <a:latin typeface="Lucida Console" panose="020B0609040504020204" pitchFamily="49" charset="0"/>
+              </a:rPr>
+              <a:t>listings_joined</a:t>
+            </a:r>
+            <a:r>
+              <a:rPr lang="en-US" sz="1200" dirty="0">
+                <a:latin typeface="Lucida Console" panose="020B0609040504020204" pitchFamily="49" charset="0"/>
+              </a:rPr>
+              <a:t>, </a:t>
+            </a:r>
+            <a:r>
+              <a:rPr lang="en-US" sz="1200" dirty="0" err="1">
+                <a:latin typeface="Lucida Console" panose="020B0609040504020204" pitchFamily="49" charset="0"/>
+              </a:rPr>
+              <a:t>dist</a:t>
+            </a:r>
+            <a:r>
+              <a:rPr lang="en-US" sz="1200" dirty="0">
+                <a:latin typeface="Lucida Console" panose="020B0609040504020204" pitchFamily="49" charset="0"/>
+              </a:rPr>
+              <a:t> = "</a:t>
+            </a:r>
+            <a:r>
+              <a:rPr lang="en-US" sz="1200" dirty="0" err="1">
+                <a:latin typeface="Lucida Console" panose="020B0609040504020204" pitchFamily="49" charset="0"/>
+              </a:rPr>
+              <a:t>negbin</a:t>
+            </a:r>
+            <a:r>
+              <a:rPr lang="en-US" sz="1200" dirty="0">
+                <a:latin typeface="Lucida Console" panose="020B0609040504020204" pitchFamily="49" charset="0"/>
+              </a:rPr>
+              <a:t>")</a:t>
+            </a:r>
+          </a:p>
+          <a:p>
+            <a:pPr eaLnBrk="1" hangingPunct="1"/>
+            <a:r>
+              <a:rPr lang="en-US" sz="1200" dirty="0">
+                <a:latin typeface="Lucida Console" panose="020B0609040504020204" pitchFamily="49" charset="0"/>
+              </a:rPr>
+              <a:t>Pearson residuals:</a:t>
+            </a:r>
+          </a:p>
+          <a:p>
+            <a:pPr eaLnBrk="1" hangingPunct="1"/>
+            <a:r>
+              <a:rPr lang="en-US" sz="1200" dirty="0">
+                <a:latin typeface="Lucida Console" panose="020B0609040504020204" pitchFamily="49" charset="0"/>
+              </a:rPr>
+              <a:t>     Min       1Q   Median       3Q      Max </a:t>
+            </a:r>
+          </a:p>
+          <a:p>
+            <a:pPr eaLnBrk="1" hangingPunct="1"/>
+            <a:r>
+              <a:rPr lang="en-US" sz="1200" dirty="0">
+                <a:latin typeface="Lucida Console" panose="020B0609040504020204" pitchFamily="49" charset="0"/>
+              </a:rPr>
+              <a:t> -0.8221  -0.6355  -0.4021   0.3047 440.1621 </a:t>
+            </a:r>
+          </a:p>
+          <a:p>
+            <a:pPr eaLnBrk="1" hangingPunct="1"/>
+            <a:endParaRPr lang="en-US" sz="1200" dirty="0">
+              <a:latin typeface="Lucida Console" panose="020B0609040504020204" pitchFamily="49" charset="0"/>
             </a:endParaRPr>
           </a:p>
           <a:p>
             <a:pPr eaLnBrk="1" hangingPunct="1"/>
             <a:r>
-              <a:rPr lang="en-US" sz="2000" dirty="0">
-                <a:latin typeface="Calibri" pitchFamily="34" charset="0"/>
-              </a:rPr>
-              <a:t>This text box will automatically re-size to your text. To turn off that feature, right click inside this box and go to </a:t>
-            </a:r>
-            <a:r>
-              <a:rPr lang="en-US" sz="2000" b="1" dirty="0">
-                <a:latin typeface="Calibri" pitchFamily="34" charset="0"/>
-              </a:rPr>
-              <a:t>Format Shape, Text Box, Autofit</a:t>
-            </a:r>
-            <a:r>
-              <a:rPr lang="en-US" sz="2000" dirty="0">
-                <a:latin typeface="Calibri" pitchFamily="34" charset="0"/>
-              </a:rPr>
-              <a:t>, and select the “Do Not Autofit” radio button.</a:t>
+              <a:rPr lang="en-US" sz="1200" dirty="0">
+                <a:latin typeface="Lucida Console" panose="020B0609040504020204" pitchFamily="49" charset="0"/>
+              </a:rPr>
+              <a:t>Count model coefficients (</a:t>
+            </a:r>
+            <a:r>
+              <a:rPr lang="en-US" sz="1200" dirty="0" err="1">
+                <a:latin typeface="Lucida Console" panose="020B0609040504020204" pitchFamily="49" charset="0"/>
+              </a:rPr>
+              <a:t>negbin</a:t>
+            </a:r>
+            <a:r>
+              <a:rPr lang="en-US" sz="1200" dirty="0">
+                <a:latin typeface="Lucida Console" panose="020B0609040504020204" pitchFamily="49" charset="0"/>
+              </a:rPr>
+              <a:t> with log link):</a:t>
             </a:r>
           </a:p>
           <a:p>
             <a:pPr eaLnBrk="1" hangingPunct="1"/>
-            <a:endParaRPr lang="en-US" sz="2000" dirty="0">
-              <a:latin typeface="Calibri" pitchFamily="34" charset="0"/>
+            <a:r>
+              <a:rPr lang="en-US" sz="1200" dirty="0">
+                <a:latin typeface="Lucida Console" panose="020B0609040504020204" pitchFamily="49" charset="0"/>
+              </a:rPr>
+              <a:t>                    Estimate Std. Error z value </a:t>
+            </a:r>
+            <a:r>
+              <a:rPr lang="en-US" sz="1200" dirty="0" err="1">
+                <a:latin typeface="Lucida Console" panose="020B0609040504020204" pitchFamily="49" charset="0"/>
+              </a:rPr>
+              <a:t>Pr</a:t>
+            </a:r>
+            <a:r>
+              <a:rPr lang="en-US" sz="1200" dirty="0">
+                <a:latin typeface="Lucida Console" panose="020B0609040504020204" pitchFamily="49" charset="0"/>
+              </a:rPr>
+              <a:t>(&gt;|z|)    </a:t>
+            </a:r>
+          </a:p>
+          <a:p>
+            <a:pPr eaLnBrk="1" hangingPunct="1"/>
+            <a:r>
+              <a:rPr lang="en-US" sz="1200" dirty="0">
+                <a:latin typeface="Lucida Console" panose="020B0609040504020204" pitchFamily="49" charset="0"/>
+              </a:rPr>
+              <a:t>(Intercept)        3.993e-02  1.846e-02   2.163   0.0306 *  </a:t>
+            </a:r>
+          </a:p>
+          <a:p>
+            <a:pPr eaLnBrk="1" hangingPunct="1"/>
+            <a:r>
+              <a:rPr lang="en-US" sz="1200" dirty="0">
+                <a:latin typeface="Lucida Console" panose="020B0609040504020204" pitchFamily="49" charset="0"/>
+              </a:rPr>
+              <a:t>price             -5.161e-04  7.039e-05  -7.333 2.25e-13 ***</a:t>
+            </a:r>
+          </a:p>
+          <a:p>
+            <a:pPr eaLnBrk="1" hangingPunct="1"/>
+            <a:r>
+              <a:rPr lang="en-US" sz="1200" dirty="0">
+                <a:latin typeface="Lucida Console" panose="020B0609040504020204" pitchFamily="49" charset="0"/>
+              </a:rPr>
+              <a:t>availability_365   8.291e-04  7.478e-05  11.087  &lt; 2e-16 ***</a:t>
+            </a:r>
+          </a:p>
+          <a:p>
+            <a:pPr eaLnBrk="1" hangingPunct="1"/>
+            <a:r>
+              <a:rPr lang="en-US" sz="1200" dirty="0" err="1">
+                <a:latin typeface="Lucida Console" panose="020B0609040504020204" pitchFamily="49" charset="0"/>
+              </a:rPr>
+              <a:t>instant_bookablet</a:t>
+            </a:r>
+            <a:r>
+              <a:rPr lang="en-US" sz="1200" dirty="0">
+                <a:latin typeface="Lucida Console" panose="020B0609040504020204" pitchFamily="49" charset="0"/>
+              </a:rPr>
+              <a:t>  5.285e-01  1.765e-02  29.943  &lt; 2e-16 ***</a:t>
+            </a:r>
+          </a:p>
+          <a:p>
+            <a:pPr eaLnBrk="1" hangingPunct="1"/>
+            <a:r>
+              <a:rPr lang="en-US" sz="1200" dirty="0">
+                <a:latin typeface="Lucida Console" panose="020B0609040504020204" pitchFamily="49" charset="0"/>
+              </a:rPr>
+              <a:t>Log(theta)        -2.863e-01  1.226e-02 -23.358  &lt; 2e-16 ***</a:t>
+            </a:r>
+          </a:p>
+          <a:p>
+            <a:pPr eaLnBrk="1" hangingPunct="1"/>
+            <a:endParaRPr lang="en-US" sz="1200" dirty="0">
+              <a:latin typeface="Lucida Console" panose="020B0609040504020204" pitchFamily="49" charset="0"/>
             </a:endParaRPr>
           </a:p>
           <a:p>
             <a:pPr eaLnBrk="1" hangingPunct="1"/>
             <a:r>
-              <a:rPr lang="en-US" sz="2000" dirty="0">
-                <a:latin typeface="Calibri" pitchFamily="34" charset="0"/>
-              </a:rPr>
-              <a:t>To change the font style of this text box: Click on the border once to highlight the entire text box, then select a different font or font size that suits you. This text is Calibri 20pt and is easily read up to 3 feet away on a 24x36 poster, and up to 6 feet away on a 48x72 poster.</a:t>
+              <a:rPr lang="en-US" sz="1200" dirty="0">
+                <a:latin typeface="Lucida Console" panose="020B0609040504020204" pitchFamily="49" charset="0"/>
+              </a:rPr>
+              <a:t>Zero-inflation model coefficients (binomial with logit link):</a:t>
             </a:r>
           </a:p>
           <a:p>
             <a:pPr eaLnBrk="1" hangingPunct="1"/>
-            <a:endParaRPr lang="en-US" sz="2000" dirty="0">
-              <a:latin typeface="Calibri" pitchFamily="34" charset="0"/>
+            <a:r>
+              <a:rPr lang="en-US" sz="1200" dirty="0">
+                <a:latin typeface="Lucida Console" panose="020B0609040504020204" pitchFamily="49" charset="0"/>
+              </a:rPr>
+              <a:t>                    Estimate Std. Error  z value </a:t>
+            </a:r>
+            <a:r>
+              <a:rPr lang="en-US" sz="1200" dirty="0" err="1">
+                <a:latin typeface="Lucida Console" panose="020B0609040504020204" pitchFamily="49" charset="0"/>
+              </a:rPr>
+              <a:t>Pr</a:t>
+            </a:r>
+            <a:r>
+              <a:rPr lang="en-US" sz="1200" dirty="0">
+                <a:latin typeface="Lucida Console" panose="020B0609040504020204" pitchFamily="49" charset="0"/>
+              </a:rPr>
+              <a:t>(&gt;|z|)    </a:t>
+            </a:r>
+          </a:p>
+          <a:p>
+            <a:pPr eaLnBrk="1" hangingPunct="1"/>
+            <a:r>
+              <a:rPr lang="en-US" sz="1200" dirty="0">
+                <a:latin typeface="Lucida Console" panose="020B0609040504020204" pitchFamily="49" charset="0"/>
+              </a:rPr>
+              <a:t>(Intercept)       -4.5297124  0.0372372 -121.645  &lt; 2e-16 ***</a:t>
+            </a:r>
+          </a:p>
+          <a:p>
+            <a:pPr eaLnBrk="1" hangingPunct="1"/>
+            <a:r>
+              <a:rPr lang="en-US" sz="1200" dirty="0">
+                <a:latin typeface="Lucida Console" panose="020B0609040504020204" pitchFamily="49" charset="0"/>
+              </a:rPr>
+              <a:t>price              0.0008192  0.0001209    6.776 1.23e-11 ***</a:t>
+            </a:r>
+          </a:p>
+          <a:p>
+            <a:pPr eaLnBrk="1" hangingPunct="1"/>
+            <a:r>
+              <a:rPr lang="en-US" sz="1200" dirty="0">
+                <a:latin typeface="Lucida Console" panose="020B0609040504020204" pitchFamily="49" charset="0"/>
+              </a:rPr>
+              <a:t>availability_365  -0.0026005  0.0001724  -15.086  &lt; 2e-16 ***</a:t>
+            </a:r>
+          </a:p>
+          <a:p>
+            <a:pPr eaLnBrk="1" hangingPunct="1"/>
+            <a:r>
+              <a:rPr lang="en-US" sz="1200" dirty="0" err="1">
+                <a:latin typeface="Lucida Console" panose="020B0609040504020204" pitchFamily="49" charset="0"/>
+              </a:rPr>
+              <a:t>instant_bookablet</a:t>
+            </a:r>
+            <a:r>
+              <a:rPr lang="en-US" sz="1200" dirty="0">
+                <a:latin typeface="Lucida Console" panose="020B0609040504020204" pitchFamily="49" charset="0"/>
+              </a:rPr>
+              <a:t>  0.1995159  0.0426965    4.673 2.97e-06 ***</a:t>
+            </a:r>
+          </a:p>
+          <a:p>
+            <a:pPr eaLnBrk="1" hangingPunct="1"/>
+            <a:r>
+              <a:rPr lang="en-US" sz="1200" dirty="0">
+                <a:latin typeface="Lucida Console" panose="020B0609040504020204" pitchFamily="49" charset="0"/>
+              </a:rPr>
+              <a:t>---</a:t>
+            </a:r>
+          </a:p>
+          <a:p>
+            <a:pPr eaLnBrk="1" hangingPunct="1"/>
+            <a:r>
+              <a:rPr lang="en-US" sz="1200" dirty="0" err="1">
+                <a:latin typeface="Lucida Console" panose="020B0609040504020204" pitchFamily="49" charset="0"/>
+              </a:rPr>
+              <a:t>Signif</a:t>
+            </a:r>
+            <a:r>
+              <a:rPr lang="en-US" sz="1200" dirty="0">
+                <a:latin typeface="Lucida Console" panose="020B0609040504020204" pitchFamily="49" charset="0"/>
+              </a:rPr>
+              <a:t>. codes:  0 '***' 0.001 '**' 0.01 '*' 0.05 '.' 0.1 ' ' 1 </a:t>
+            </a:r>
+          </a:p>
+          <a:p>
+            <a:pPr eaLnBrk="1" hangingPunct="1"/>
+            <a:endParaRPr lang="en-US" sz="1200" dirty="0">
+              <a:latin typeface="Lucida Console" panose="020B0609040504020204" pitchFamily="49" charset="0"/>
             </a:endParaRPr>
           </a:p>
           <a:p>
             <a:pPr eaLnBrk="1" hangingPunct="1"/>
             <a:r>
-              <a:rPr lang="en-US" sz="2000" dirty="0">
-                <a:latin typeface="Calibri" pitchFamily="34" charset="0"/>
-              </a:rPr>
-              <a:t>Zoom out to 100% (for 24x36) or 200% (for 48x72) to preview what this will look like on your printed poster.</a:t>
+              <a:rPr lang="en-US" sz="1200" dirty="0">
+                <a:latin typeface="Lucida Console" panose="020B0609040504020204" pitchFamily="49" charset="0"/>
+              </a:rPr>
+              <a:t>Theta = 0.751 </a:t>
+            </a:r>
+          </a:p>
+          <a:p>
+            <a:pPr eaLnBrk="1" hangingPunct="1"/>
+            <a:r>
+              <a:rPr lang="en-US" sz="1200" dirty="0">
+                <a:latin typeface="Lucida Console" panose="020B0609040504020204" pitchFamily="49" charset="0"/>
+              </a:rPr>
+              <a:t>Number of iterations in BFGS optimization: 15 </a:t>
+            </a:r>
+          </a:p>
+          <a:p>
+            <a:pPr eaLnBrk="1" hangingPunct="1"/>
+            <a:r>
+              <a:rPr lang="en-US" sz="1200" dirty="0">
+                <a:latin typeface="Lucida Console" panose="020B0609040504020204" pitchFamily="49" charset="0"/>
+              </a:rPr>
+              <a:t>Log-likelihood: -8.057e+04 on 9 Df</a:t>
             </a:r>
           </a:p>
         </p:txBody>
@@ -5177,7 +5110,7 @@
                   </a:schemeClr>
                 </a:solidFill>
               </a:rPr>
-              <a:t>Discussion</a:t>
+              <a:t>Model Output</a:t>
             </a:r>
           </a:p>
         </p:txBody>
@@ -5192,8 +5125,8 @@
         </p:nvSpPr>
         <p:spPr bwMode="auto">
           <a:xfrm>
-            <a:off x="21945600" y="14173201"/>
-            <a:ext cx="9875520" cy="4198892"/>
+            <a:off x="21941530" y="14630400"/>
+            <a:ext cx="9875520" cy="3743228"/>
           </a:xfrm>
           <a:prstGeom prst="rect">
             <a:avLst/>
@@ -5212,7 +5145,7 @@
         </p:spPr>
         <p:txBody>
           <a:bodyPr lIns="97942" tIns="97942" rIns="97942" bIns="97942">
-            <a:spAutoFit/>
+            <a:noAutofit/>
           </a:bodyPr>
           <a:lstStyle>
             <a:lvl1pPr eaLnBrk="0" hangingPunct="0">
@@ -5318,7 +5251,7 @@
               <a:rPr lang="en-US" sz="2000" dirty="0">
                 <a:latin typeface="Calibri" pitchFamily="34" charset="0"/>
               </a:rPr>
-              <a:t>Click here to insert your Conclusions text. Type it in or copy and paste from your Word document or other source.</a:t>
+              <a:t>We were able to produce a model which we felt had reasonable predictive power, in which we see a negative relationship between price and reviews, but a positive one in availability and Instant Book status. None of the coefficients provides a shocking conclusion, so this model is one that we would feel comfortable with.</a:t>
             </a:r>
           </a:p>
           <a:p>
@@ -5333,19 +5266,7 @@
               <a:rPr lang="en-US" sz="2000" dirty="0">
                 <a:latin typeface="Calibri" pitchFamily="34" charset="0"/>
               </a:rPr>
-              <a:t>This text box will automatically re-size to your text. To turn off that feature, right click inside this box and go to </a:t>
-            </a:r>
-            <a:r>
-              <a:rPr lang="en-US" sz="2000" b="1" dirty="0">
-                <a:latin typeface="Calibri" pitchFamily="34" charset="0"/>
-              </a:rPr>
-              <a:t>Format Shape, Text Box, Autofit</a:t>
-            </a:r>
-            <a:r>
-              <a:rPr lang="en-US" sz="2000" dirty="0">
-                <a:latin typeface="Calibri" pitchFamily="34" charset="0"/>
-              </a:rPr>
-              <a:t>, and select the “Do Not Autofit” radio button.</a:t>
+              <a:t>However as we can see from the histogram there are still areas which can be refined. For instance, we can see that our model provides higher weights in the mid-range of review count. We also observe that there are certain residuals that are quite large.</a:t>
             </a:r>
           </a:p>
           <a:p>
@@ -5360,22 +5281,7 @@
               <a:rPr lang="en-US" sz="2000" dirty="0">
                 <a:latin typeface="Calibri" pitchFamily="34" charset="0"/>
               </a:rPr>
-              <a:t>To change the font style of this text box: Click on the border once to highlight the entire text box, then select a different font or font size that suits you. This text is Calibri 20pt and is easily read up to 3 feet away on a 24x36 poster, and up to 6 feet away on a 48x72 poster.</a:t>
-            </a:r>
-          </a:p>
-          <a:p>
-            <a:pPr eaLnBrk="1" hangingPunct="1"/>
-            <a:endParaRPr lang="en-US" sz="2000" dirty="0">
-              <a:latin typeface="Calibri" pitchFamily="34" charset="0"/>
-            </a:endParaRPr>
-          </a:p>
-          <a:p>
-            <a:pPr eaLnBrk="1" hangingPunct="1"/>
-            <a:r>
-              <a:rPr lang="en-US" sz="2000" dirty="0">
-                <a:latin typeface="Calibri" pitchFamily="34" charset="0"/>
-              </a:rPr>
-              <a:t>Zoom out to 100% (for 24x36) or 200% (for 48x72) to preview what this will look like on your printed poster.</a:t>
+              <a:t>The natural next steps are to understand the points with large residuals to see whether they have excessive leverage, and to refine our understanding of the number of low-review count and whether we could introduce additional variables to improve the fit.</a:t>
             </a:r>
           </a:p>
         </p:txBody>
@@ -5388,7 +5294,7 @@
         </p:nvSpPr>
         <p:spPr>
           <a:xfrm>
-            <a:off x="21945600" y="13716000"/>
+            <a:off x="21941530" y="14173200"/>
             <a:ext cx="9875520" cy="457200"/>
           </a:xfrm>
           <a:prstGeom prst="rect">
@@ -5436,519 +5342,6 @@
           </a:p>
         </p:txBody>
       </p:sp>
-      <p:graphicFrame>
-        <p:nvGraphicFramePr>
-          <p:cNvPr id="44" name="Content Placeholder 114" descr="Sample table with 4 columns, 7 rows." title="Sample Table"/>
-          <p:cNvGraphicFramePr>
-            <a:graphicFrameLocks/>
-          </p:cNvGraphicFramePr>
-          <p:nvPr>
-            <p:extLst>
-              <p:ext uri="{D42A27DB-BD31-4B8C-83A1-F6EECF244321}">
-                <p14:modId xmlns:p14="http://schemas.microsoft.com/office/powerpoint/2010/main" val="1050678600"/>
-              </p:ext>
-            </p:extLst>
-          </p:nvPr>
-        </p:nvGraphicFramePr>
-        <p:xfrm>
-          <a:off x="11722914" y="15080517"/>
-          <a:ext cx="9599228" cy="3626581"/>
-        </p:xfrm>
-        <a:graphic>
-          <a:graphicData uri="http://schemas.openxmlformats.org/drawingml/2006/table">
-            <a:tbl>
-              <a:tblPr firstRow="1" bandRow="1">
-                <a:tableStyleId>{F5AB1C69-6EDB-4FF4-983F-18BD219EF322}</a:tableStyleId>
-              </a:tblPr>
-              <a:tblGrid>
-                <a:gridCol w="2399807">
-                  <a:extLst>
-                    <a:ext uri="{9D8B030D-6E8A-4147-A177-3AD203B41FA5}">
-                      <a16:colId xmlns:a16="http://schemas.microsoft.com/office/drawing/2014/main" val="20000"/>
-                    </a:ext>
-                  </a:extLst>
-                </a:gridCol>
-                <a:gridCol w="2399807">
-                  <a:extLst>
-                    <a:ext uri="{9D8B030D-6E8A-4147-A177-3AD203B41FA5}">
-                      <a16:colId xmlns:a16="http://schemas.microsoft.com/office/drawing/2014/main" val="20001"/>
-                    </a:ext>
-                  </a:extLst>
-                </a:gridCol>
-                <a:gridCol w="2399807">
-                  <a:extLst>
-                    <a:ext uri="{9D8B030D-6E8A-4147-A177-3AD203B41FA5}">
-                      <a16:colId xmlns:a16="http://schemas.microsoft.com/office/drawing/2014/main" val="20002"/>
-                    </a:ext>
-                  </a:extLst>
-                </a:gridCol>
-                <a:gridCol w="2399807">
-                  <a:extLst>
-                    <a:ext uri="{9D8B030D-6E8A-4147-A177-3AD203B41FA5}">
-                      <a16:colId xmlns:a16="http://schemas.microsoft.com/office/drawing/2014/main" val="20003"/>
-                    </a:ext>
-                  </a:extLst>
-                </a:gridCol>
-              </a:tblGrid>
-              <a:tr h="518083">
-                <a:tc>
-                  <a:txBody>
-                    <a:bodyPr/>
-                    <a:lstStyle/>
-                    <a:p>
-                      <a:endParaRPr lang="en-US" sz="2400" dirty="0"/>
-                    </a:p>
-                  </a:txBody>
-                  <a:tcPr marT="22861" marB="22861" anchor="ctr">
-                    <a:solidFill>
-                      <a:schemeClr val="accent1">
-                        <a:lumMod val="75000"/>
-                      </a:schemeClr>
-                    </a:solidFill>
-                  </a:tcPr>
-                </a:tc>
-                <a:tc>
-                  <a:txBody>
-                    <a:bodyPr/>
-                    <a:lstStyle/>
-                    <a:p>
-                      <a:pPr algn="ctr"/>
-                      <a:r>
-                        <a:rPr lang="en-US" sz="2400" dirty="0"/>
-                        <a:t>Heading</a:t>
-                      </a:r>
-                    </a:p>
-                  </a:txBody>
-                  <a:tcPr marT="22861" marB="22861" anchor="ctr">
-                    <a:solidFill>
-                      <a:schemeClr val="accent1">
-                        <a:lumMod val="75000"/>
-                      </a:schemeClr>
-                    </a:solidFill>
-                  </a:tcPr>
-                </a:tc>
-                <a:tc>
-                  <a:txBody>
-                    <a:bodyPr/>
-                    <a:lstStyle/>
-                    <a:p>
-                      <a:pPr algn="ctr"/>
-                      <a:r>
-                        <a:rPr lang="en-US" sz="2400" dirty="0"/>
-                        <a:t>Heading</a:t>
-                      </a:r>
-                    </a:p>
-                  </a:txBody>
-                  <a:tcPr marT="22861" marB="22861" anchor="ctr">
-                    <a:solidFill>
-                      <a:schemeClr val="accent1">
-                        <a:lumMod val="75000"/>
-                      </a:schemeClr>
-                    </a:solidFill>
-                  </a:tcPr>
-                </a:tc>
-                <a:tc>
-                  <a:txBody>
-                    <a:bodyPr/>
-                    <a:lstStyle/>
-                    <a:p>
-                      <a:pPr algn="ctr"/>
-                      <a:r>
-                        <a:rPr lang="en-US" sz="2400" dirty="0"/>
-                        <a:t>Heading</a:t>
-                      </a:r>
-                    </a:p>
-                  </a:txBody>
-                  <a:tcPr marT="22861" marB="22861" anchor="ctr">
-                    <a:solidFill>
-                      <a:schemeClr val="accent1">
-                        <a:lumMod val="75000"/>
-                      </a:schemeClr>
-                    </a:solidFill>
-                  </a:tcPr>
-                </a:tc>
-                <a:extLst>
-                  <a:ext uri="{0D108BD9-81ED-4DB2-BD59-A6C34878D82A}">
-                    <a16:rowId xmlns:a16="http://schemas.microsoft.com/office/drawing/2014/main" val="10000"/>
-                  </a:ext>
-                </a:extLst>
-              </a:tr>
-              <a:tr h="518083">
-                <a:tc>
-                  <a:txBody>
-                    <a:bodyPr/>
-                    <a:lstStyle/>
-                    <a:p>
-                      <a:r>
-                        <a:rPr lang="en-US" sz="2400" dirty="0"/>
-                        <a:t>Item</a:t>
-                      </a:r>
-                    </a:p>
-                  </a:txBody>
-                  <a:tcPr marT="22861" marB="22861" anchor="ctr"/>
-                </a:tc>
-                <a:tc>
-                  <a:txBody>
-                    <a:bodyPr/>
-                    <a:lstStyle/>
-                    <a:p>
-                      <a:pPr algn="ctr"/>
-                      <a:r>
-                        <a:rPr lang="en-US" sz="2400" dirty="0"/>
-                        <a:t>800</a:t>
-                      </a:r>
-                    </a:p>
-                  </a:txBody>
-                  <a:tcPr marT="22861" marB="22861" anchor="ctr"/>
-                </a:tc>
-                <a:tc>
-                  <a:txBody>
-                    <a:bodyPr/>
-                    <a:lstStyle/>
-                    <a:p>
-                      <a:pPr algn="ctr"/>
-                      <a:r>
-                        <a:rPr lang="en-US" sz="2400" dirty="0"/>
-                        <a:t>790</a:t>
-                      </a:r>
-                    </a:p>
-                  </a:txBody>
-                  <a:tcPr marT="22861" marB="22861" anchor="ctr"/>
-                </a:tc>
-                <a:tc>
-                  <a:txBody>
-                    <a:bodyPr/>
-                    <a:lstStyle/>
-                    <a:p>
-                      <a:pPr algn="ctr"/>
-                      <a:r>
-                        <a:rPr lang="en-US" sz="2400" dirty="0"/>
-                        <a:t>4001</a:t>
-                      </a:r>
-                    </a:p>
-                  </a:txBody>
-                  <a:tcPr marT="22861" marB="22861" anchor="ctr"/>
-                </a:tc>
-                <a:extLst>
-                  <a:ext uri="{0D108BD9-81ED-4DB2-BD59-A6C34878D82A}">
-                    <a16:rowId xmlns:a16="http://schemas.microsoft.com/office/drawing/2014/main" val="10001"/>
-                  </a:ext>
-                </a:extLst>
-              </a:tr>
-              <a:tr h="518083">
-                <a:tc>
-                  <a:txBody>
-                    <a:bodyPr/>
-                    <a:lstStyle/>
-                    <a:p>
-                      <a:r>
-                        <a:rPr lang="en-US" sz="2400" dirty="0"/>
-                        <a:t>Item</a:t>
-                      </a:r>
-                    </a:p>
-                  </a:txBody>
-                  <a:tcPr marT="22861" marB="22861" anchor="ctr"/>
-                </a:tc>
-                <a:tc>
-                  <a:txBody>
-                    <a:bodyPr/>
-                    <a:lstStyle/>
-                    <a:p>
-                      <a:pPr algn="ctr"/>
-                      <a:r>
-                        <a:rPr lang="en-US" sz="2400" dirty="0"/>
-                        <a:t>356</a:t>
-                      </a:r>
-                    </a:p>
-                  </a:txBody>
-                  <a:tcPr marT="22861" marB="22861" anchor="ctr"/>
-                </a:tc>
-                <a:tc>
-                  <a:txBody>
-                    <a:bodyPr/>
-                    <a:lstStyle/>
-                    <a:p>
-                      <a:pPr algn="ctr"/>
-                      <a:r>
-                        <a:rPr lang="en-US" sz="2400" dirty="0"/>
-                        <a:t>856</a:t>
-                      </a:r>
-                    </a:p>
-                  </a:txBody>
-                  <a:tcPr marT="22861" marB="22861" anchor="ctr"/>
-                </a:tc>
-                <a:tc>
-                  <a:txBody>
-                    <a:bodyPr/>
-                    <a:lstStyle/>
-                    <a:p>
-                      <a:pPr algn="ctr"/>
-                      <a:r>
-                        <a:rPr lang="en-US" sz="2400" dirty="0"/>
-                        <a:t>290</a:t>
-                      </a:r>
-                    </a:p>
-                  </a:txBody>
-                  <a:tcPr marT="22861" marB="22861" anchor="ctr"/>
-                </a:tc>
-                <a:extLst>
-                  <a:ext uri="{0D108BD9-81ED-4DB2-BD59-A6C34878D82A}">
-                    <a16:rowId xmlns:a16="http://schemas.microsoft.com/office/drawing/2014/main" val="10002"/>
-                  </a:ext>
-                </a:extLst>
-              </a:tr>
-              <a:tr h="518083">
-                <a:tc>
-                  <a:txBody>
-                    <a:bodyPr/>
-                    <a:lstStyle/>
-                    <a:p>
-                      <a:r>
-                        <a:rPr lang="en-US" sz="2400" dirty="0"/>
-                        <a:t>Item</a:t>
-                      </a:r>
-                    </a:p>
-                  </a:txBody>
-                  <a:tcPr marT="22861" marB="22861" anchor="ctr"/>
-                </a:tc>
-                <a:tc>
-                  <a:txBody>
-                    <a:bodyPr/>
-                    <a:lstStyle/>
-                    <a:p>
-                      <a:pPr algn="ctr"/>
-                      <a:r>
-                        <a:rPr lang="en-US" sz="2400" dirty="0"/>
-                        <a:t>228</a:t>
-                      </a:r>
-                    </a:p>
-                  </a:txBody>
-                  <a:tcPr marT="22861" marB="22861" anchor="ctr"/>
-                </a:tc>
-                <a:tc>
-                  <a:txBody>
-                    <a:bodyPr/>
-                    <a:lstStyle/>
-                    <a:p>
-                      <a:pPr algn="ctr"/>
-                      <a:r>
-                        <a:rPr lang="en-US" sz="2400" dirty="0"/>
-                        <a:t>134</a:t>
-                      </a:r>
-                    </a:p>
-                  </a:txBody>
-                  <a:tcPr marT="22861" marB="22861" anchor="ctr"/>
-                </a:tc>
-                <a:tc>
-                  <a:txBody>
-                    <a:bodyPr/>
-                    <a:lstStyle/>
-                    <a:p>
-                      <a:pPr algn="ctr"/>
-                      <a:r>
-                        <a:rPr lang="en-US" sz="2400" dirty="0"/>
-                        <a:t>238</a:t>
-                      </a:r>
-                    </a:p>
-                  </a:txBody>
-                  <a:tcPr marT="22861" marB="22861" anchor="ctr"/>
-                </a:tc>
-                <a:extLst>
-                  <a:ext uri="{0D108BD9-81ED-4DB2-BD59-A6C34878D82A}">
-                    <a16:rowId xmlns:a16="http://schemas.microsoft.com/office/drawing/2014/main" val="10003"/>
-                  </a:ext>
-                </a:extLst>
-              </a:tr>
-              <a:tr h="518083">
-                <a:tc>
-                  <a:txBody>
-                    <a:bodyPr/>
-                    <a:lstStyle/>
-                    <a:p>
-                      <a:r>
-                        <a:rPr lang="en-US" sz="2400" dirty="0"/>
-                        <a:t>Item</a:t>
-                      </a:r>
-                    </a:p>
-                  </a:txBody>
-                  <a:tcPr marT="22861" marB="22861" anchor="ctr"/>
-                </a:tc>
-                <a:tc>
-                  <a:txBody>
-                    <a:bodyPr/>
-                    <a:lstStyle/>
-                    <a:p>
-                      <a:pPr algn="ctr"/>
-                      <a:r>
-                        <a:rPr lang="en-US" sz="2400" dirty="0"/>
-                        <a:t>954</a:t>
-                      </a:r>
-                    </a:p>
-                  </a:txBody>
-                  <a:tcPr marT="22861" marB="22861" anchor="ctr"/>
-                </a:tc>
-                <a:tc>
-                  <a:txBody>
-                    <a:bodyPr/>
-                    <a:lstStyle/>
-                    <a:p>
-                      <a:pPr algn="ctr"/>
-                      <a:r>
-                        <a:rPr lang="en-US" sz="2400" dirty="0"/>
-                        <a:t>875</a:t>
-                      </a:r>
-                    </a:p>
-                  </a:txBody>
-                  <a:tcPr marT="22861" marB="22861" anchor="ctr"/>
-                </a:tc>
-                <a:tc>
-                  <a:txBody>
-                    <a:bodyPr/>
-                    <a:lstStyle/>
-                    <a:p>
-                      <a:pPr algn="ctr"/>
-                      <a:r>
-                        <a:rPr lang="en-US" sz="2400" dirty="0"/>
-                        <a:t>976</a:t>
-                      </a:r>
-                    </a:p>
-                  </a:txBody>
-                  <a:tcPr marT="22861" marB="22861" anchor="ctr"/>
-                </a:tc>
-                <a:extLst>
-                  <a:ext uri="{0D108BD9-81ED-4DB2-BD59-A6C34878D82A}">
-                    <a16:rowId xmlns:a16="http://schemas.microsoft.com/office/drawing/2014/main" val="10004"/>
-                  </a:ext>
-                </a:extLst>
-              </a:tr>
-              <a:tr h="518083">
-                <a:tc>
-                  <a:txBody>
-                    <a:bodyPr/>
-                    <a:lstStyle/>
-                    <a:p>
-                      <a:r>
-                        <a:rPr lang="en-US" sz="2400" dirty="0"/>
-                        <a:t>Item</a:t>
-                      </a:r>
-                    </a:p>
-                  </a:txBody>
-                  <a:tcPr marT="22861" marB="22861" anchor="ctr"/>
-                </a:tc>
-                <a:tc>
-                  <a:txBody>
-                    <a:bodyPr/>
-                    <a:lstStyle/>
-                    <a:p>
-                      <a:pPr algn="ctr"/>
-                      <a:r>
-                        <a:rPr lang="en-US" sz="2400" dirty="0"/>
-                        <a:t>324</a:t>
-                      </a:r>
-                    </a:p>
-                  </a:txBody>
-                  <a:tcPr marT="22861" marB="22861" anchor="ctr"/>
-                </a:tc>
-                <a:tc>
-                  <a:txBody>
-                    <a:bodyPr/>
-                    <a:lstStyle/>
-                    <a:p>
-                      <a:pPr algn="ctr"/>
-                      <a:r>
-                        <a:rPr lang="en-US" sz="2400" dirty="0"/>
-                        <a:t>325</a:t>
-                      </a:r>
-                    </a:p>
-                  </a:txBody>
-                  <a:tcPr marT="22861" marB="22861" anchor="ctr"/>
-                </a:tc>
-                <a:tc>
-                  <a:txBody>
-                    <a:bodyPr/>
-                    <a:lstStyle/>
-                    <a:p>
-                      <a:pPr algn="ctr"/>
-                      <a:r>
-                        <a:rPr lang="en-US" sz="2400" dirty="0"/>
-                        <a:t>301</a:t>
-                      </a:r>
-                    </a:p>
-                  </a:txBody>
-                  <a:tcPr marT="22861" marB="22861" anchor="ctr"/>
-                </a:tc>
-                <a:extLst>
-                  <a:ext uri="{0D108BD9-81ED-4DB2-BD59-A6C34878D82A}">
-                    <a16:rowId xmlns:a16="http://schemas.microsoft.com/office/drawing/2014/main" val="10005"/>
-                  </a:ext>
-                </a:extLst>
-              </a:tr>
-              <a:tr h="518083">
-                <a:tc>
-                  <a:txBody>
-                    <a:bodyPr/>
-                    <a:lstStyle/>
-                    <a:p>
-                      <a:r>
-                        <a:rPr lang="en-US" sz="2400" dirty="0"/>
-                        <a:t>Item</a:t>
-                      </a:r>
-                    </a:p>
-                  </a:txBody>
-                  <a:tcPr marT="22861" marB="22861" anchor="ctr"/>
-                </a:tc>
-                <a:tc>
-                  <a:txBody>
-                    <a:bodyPr/>
-                    <a:lstStyle/>
-                    <a:p>
-                      <a:pPr algn="ctr"/>
-                      <a:r>
-                        <a:rPr lang="en-US" sz="2400" dirty="0"/>
-                        <a:t>199</a:t>
-                      </a:r>
-                    </a:p>
-                  </a:txBody>
-                  <a:tcPr marT="22861" marB="22861" anchor="ctr"/>
-                </a:tc>
-                <a:tc>
-                  <a:txBody>
-                    <a:bodyPr/>
-                    <a:lstStyle/>
-                    <a:p>
-                      <a:pPr algn="ctr"/>
-                      <a:r>
-                        <a:rPr lang="en-US" sz="2400" dirty="0"/>
-                        <a:t>137</a:t>
-                      </a:r>
-                    </a:p>
-                  </a:txBody>
-                  <a:tcPr marT="22861" marB="22861" anchor="ctr"/>
-                </a:tc>
-                <a:tc>
-                  <a:txBody>
-                    <a:bodyPr/>
-                    <a:lstStyle/>
-                    <a:p>
-                      <a:pPr algn="ctr"/>
-                      <a:r>
-                        <a:rPr lang="en-US" sz="2400" dirty="0"/>
-                        <a:t>186</a:t>
-                      </a:r>
-                    </a:p>
-                  </a:txBody>
-                  <a:tcPr marT="22861" marB="22861" anchor="ctr"/>
-                </a:tc>
-                <a:extLst>
-                  <a:ext uri="{0D108BD9-81ED-4DB2-BD59-A6C34878D82A}">
-                    <a16:rowId xmlns:a16="http://schemas.microsoft.com/office/drawing/2014/main" val="10006"/>
-                  </a:ext>
-                </a:extLst>
-              </a:tr>
-            </a:tbl>
-          </a:graphicData>
-        </a:graphic>
-      </p:graphicFrame>
       <mc:AlternateContent xmlns:mc="http://schemas.openxmlformats.org/markup-compatibility/2006">
         <mc:Choice xmlns:a14="http://schemas.microsoft.com/office/drawing/2010/main" Requires="a14">
           <p:sp>
@@ -6246,7 +5639,7 @@
                 <a:avLst/>
               </a:prstGeom>
               <a:blipFill>
-                <a:blip r:embed="rId3"/>
+                <a:blip r:embed="rId4"/>
                 <a:stretch>
                   <a:fillRect l="-493" r="-493"/>
                 </a:stretch>
@@ -6331,109 +5724,6 @@
           </a:p>
         </p:txBody>
       </p:sp>
-      <p:pic>
-        <p:nvPicPr>
-          <p:cNvPr id="49" name="Picture 178" descr="Picture1"/>
-          <p:cNvPicPr>
-            <a:picLocks noChangeAspect="1" noChangeArrowheads="1"/>
-          </p:cNvPicPr>
-          <p:nvPr/>
-        </p:nvPicPr>
-        <p:blipFill>
-          <a:blip r:embed="rId4">
-            <a:extLst>
-              <a:ext uri="{28A0092B-C50C-407E-A947-70E740481C1C}">
-                <a14:useLocalDpi xmlns:a14="http://schemas.microsoft.com/office/drawing/2010/main" val="0"/>
-              </a:ext>
-            </a:extLst>
-          </a:blip>
-          <a:stretch>
-            <a:fillRect/>
-          </a:stretch>
-        </p:blipFill>
-        <p:spPr bwMode="auto">
-          <a:xfrm>
-            <a:off x="2171700" y="16568583"/>
-            <a:ext cx="3086100" cy="1899138"/>
-          </a:xfrm>
-          <a:prstGeom prst="rect">
-            <a:avLst/>
-          </a:prstGeom>
-          <a:noFill/>
-          <a:ln w="9525">
-            <a:solidFill>
-              <a:schemeClr val="tx2">
-                <a:lumMod val="50000"/>
-              </a:schemeClr>
-            </a:solidFill>
-            <a:miter lim="800000"/>
-            <a:headEnd/>
-            <a:tailEnd/>
-          </a:ln>
-          <a:extLst>
-            <a:ext uri="{909E8E84-426E-40DD-AFC4-6F175D3DCCD1}">
-              <a14:hiddenFill xmlns:a14="http://schemas.microsoft.com/office/drawing/2010/main">
-                <a:solidFill>
-                  <a:srgbClr val="FFFFFF"/>
-                </a:solidFill>
-              </a14:hiddenFill>
-            </a:ext>
-          </a:extLst>
-        </p:spPr>
-      </p:pic>
-      <p:pic>
-        <p:nvPicPr>
-          <p:cNvPr id="50" name="Picture 179" descr="Picture2"/>
-          <p:cNvPicPr>
-            <a:picLocks noChangeAspect="1" noChangeArrowheads="1"/>
-          </p:cNvPicPr>
-          <p:nvPr/>
-        </p:nvPicPr>
-        <p:blipFill>
-          <a:blip r:embed="rId5">
-            <a:extLst>
-              <a:ext uri="{28A0092B-C50C-407E-A947-70E740481C1C}">
-                <a14:useLocalDpi xmlns:a14="http://schemas.microsoft.com/office/drawing/2010/main" val="0"/>
-              </a:ext>
-            </a:extLst>
-          </a:blip>
-          <a:stretch>
-            <a:fillRect/>
-          </a:stretch>
-        </p:blipFill>
-        <p:spPr bwMode="auto">
-          <a:xfrm>
-            <a:off x="6800850" y="16568625"/>
-            <a:ext cx="3086100" cy="1899208"/>
-          </a:xfrm>
-          <a:prstGeom prst="rect">
-            <a:avLst/>
-          </a:prstGeom>
-          <a:noFill/>
-          <a:ln>
-            <a:noFill/>
-          </a:ln>
-          <a:extLst>
-            <a:ext uri="{909E8E84-426E-40DD-AFC4-6F175D3DCCD1}">
-              <a14:hiddenFill xmlns:a14="http://schemas.microsoft.com/office/drawing/2010/main">
-                <a:solidFill>
-                  <a:srgbClr val="FFFFFF"/>
-                </a:solidFill>
-              </a14:hiddenFill>
-            </a:ext>
-            <a:ext uri="{91240B29-F687-4F45-9708-019B960494DF}">
-              <a14:hiddenLine xmlns:a14="http://schemas.microsoft.com/office/drawing/2010/main" w="9525">
-                <a:solidFill>
-                  <a:srgbClr val="000000"/>
-                </a:solidFill>
-                <a:miter lim="800000"/>
-                <a:headEnd/>
-                <a:tailEnd/>
-              </a14:hiddenLine>
-            </a:ext>
-          </a:extLst>
-        </p:spPr>
-      </p:pic>
       <p:sp>
         <p:nvSpPr>
           <p:cNvPr id="51" name="Text Box 180"/>
@@ -6444,8 +5734,8 @@
         </p:nvSpPr>
         <p:spPr bwMode="auto">
           <a:xfrm>
-            <a:off x="2057400" y="18559262"/>
-            <a:ext cx="2572332" cy="295671"/>
+            <a:off x="6252301" y="18359506"/>
+            <a:ext cx="4709136" cy="295671"/>
           </a:xfrm>
           <a:prstGeom prst="rect">
             <a:avLst/>
@@ -6587,25 +5877,25 @@
             </a:lvl9pPr>
           </a:lstStyle>
           <a:p>
-            <a:pPr eaLnBrk="1" hangingPunct="1"/>
+            <a:pPr algn="r" eaLnBrk="1" hangingPunct="1"/>
             <a:r>
               <a:rPr lang="en-US" sz="1600" b="1" dirty="0">
                 <a:latin typeface="Calibri" pitchFamily="34" charset="0"/>
               </a:rPr>
-              <a:t>Figure 1.</a:t>
+              <a:t>Figure 2.</a:t>
             </a:r>
             <a:r>
               <a:rPr lang="en-US" sz="1600" dirty="0">
                 <a:latin typeface="Calibri" pitchFamily="34" charset="0"/>
               </a:rPr>
-              <a:t> Label in 16pt Calibri.</a:t>
+              <a:t> Histogram of Predicted values vs Original Data</a:t>
             </a:r>
           </a:p>
         </p:txBody>
       </p:sp>
       <p:sp>
         <p:nvSpPr>
-          <p:cNvPr id="52" name="Text Box 181"/>
+          <p:cNvPr id="53" name="Text Box 180"/>
           <p:cNvSpPr txBox="1">
             <a:spLocks noChangeArrowheads="1"/>
           </p:cNvSpPr>
@@ -6613,8 +5903,8 @@
         </p:nvSpPr>
         <p:spPr bwMode="auto">
           <a:xfrm>
-            <a:off x="6768196" y="18605220"/>
-            <a:ext cx="2572332" cy="295671"/>
+            <a:off x="11521440" y="14173200"/>
+            <a:ext cx="4650337" cy="295671"/>
           </a:xfrm>
           <a:prstGeom prst="rect">
             <a:avLst/>
@@ -6756,25 +6046,37 @@
             </a:lvl9pPr>
           </a:lstStyle>
           <a:p>
-            <a:pPr eaLnBrk="1" hangingPunct="1"/>
+            <a:pPr algn="ctr" eaLnBrk="1" hangingPunct="1"/>
             <a:r>
               <a:rPr lang="en-US" sz="1600" b="1" dirty="0">
                 <a:latin typeface="Calibri" pitchFamily="34" charset="0"/>
               </a:rPr>
-              <a:t>Figure 2.</a:t>
+              <a:t>Table 1.</a:t>
             </a:r>
             <a:r>
               <a:rPr lang="en-US" sz="1600" dirty="0">
                 <a:latin typeface="Calibri" pitchFamily="34" charset="0"/>
               </a:rPr>
-              <a:t> Label in 16pt Calibri.</a:t>
+              <a:t> </a:t>
+            </a:r>
+            <a:r>
+              <a:rPr lang="en-US" sz="1600" dirty="0" err="1">
+                <a:latin typeface="Calibri" pitchFamily="34" charset="0"/>
+              </a:rPr>
+              <a:t>Vuong</a:t>
+            </a:r>
+            <a:r>
+              <a:rPr lang="en-US" sz="1600" dirty="0">
+                <a:latin typeface="Calibri" pitchFamily="34" charset="0"/>
+              </a:rPr>
+              <a:t> test results comparing different models</a:t>
             </a:r>
           </a:p>
         </p:txBody>
       </p:sp>
       <p:sp>
         <p:nvSpPr>
-          <p:cNvPr id="53" name="Text Box 180"/>
+          <p:cNvPr id="37" name="Text Box 180"/>
           <p:cNvSpPr txBox="1">
             <a:spLocks noChangeArrowheads="1"/>
           </p:cNvSpPr>
@@ -6782,8 +6084,8 @@
         </p:nvSpPr>
         <p:spPr bwMode="auto">
           <a:xfrm>
-            <a:off x="11983787" y="14711691"/>
-            <a:ext cx="2495004" cy="295671"/>
+            <a:off x="27697490" y="7566084"/>
+            <a:ext cx="3319460" cy="295671"/>
           </a:xfrm>
           <a:prstGeom prst="rect">
             <a:avLst/>
@@ -6930,204 +6232,13 @@
               <a:rPr lang="en-US" sz="1600" b="1" dirty="0">
                 <a:latin typeface="Calibri" pitchFamily="34" charset="0"/>
               </a:rPr>
-              <a:t>Table 1.</a:t>
+              <a:t>Chart 1.</a:t>
             </a:r>
             <a:r>
               <a:rPr lang="en-US" sz="1600" dirty="0">
                 <a:latin typeface="Calibri" pitchFamily="34" charset="0"/>
               </a:rPr>
-              <a:t> Label in 16pt Calibri.</a:t>
-            </a:r>
-          </a:p>
-        </p:txBody>
-      </p:sp>
-      <p:graphicFrame>
-        <p:nvGraphicFramePr>
-          <p:cNvPr id="3" name="Chart 2"/>
-          <p:cNvGraphicFramePr/>
-          <p:nvPr>
-            <p:extLst>
-              <p:ext uri="{D42A27DB-BD31-4B8C-83A1-F6EECF244321}">
-                <p14:modId xmlns:p14="http://schemas.microsoft.com/office/powerpoint/2010/main" val="292270342"/>
-              </p:ext>
-            </p:extLst>
-          </p:nvPr>
-        </p:nvGraphicFramePr>
-        <p:xfrm>
-          <a:off x="22074882" y="3316357"/>
-          <a:ext cx="9563359" cy="4141705"/>
-        </p:xfrm>
-        <a:graphic>
-          <a:graphicData uri="http://schemas.openxmlformats.org/drawingml/2006/chart">
-            <c:chart xmlns:c="http://schemas.openxmlformats.org/drawingml/2006/chart" xmlns:r="http://schemas.openxmlformats.org/officeDocument/2006/relationships" r:id="rId6"/>
-          </a:graphicData>
-        </a:graphic>
-      </p:graphicFrame>
-      <p:sp>
-        <p:nvSpPr>
-          <p:cNvPr id="37" name="Text Box 180"/>
-          <p:cNvSpPr txBox="1">
-            <a:spLocks noChangeArrowheads="1"/>
-          </p:cNvSpPr>
-          <p:nvPr/>
-        </p:nvSpPr>
-        <p:spPr bwMode="auto">
-          <a:xfrm>
-            <a:off x="22568550" y="7620000"/>
-            <a:ext cx="2510521" cy="295671"/>
-          </a:xfrm>
-          <a:prstGeom prst="rect">
-            <a:avLst/>
-          </a:prstGeom>
-          <a:noFill/>
-          <a:ln>
-            <a:noFill/>
-          </a:ln>
-          <a:effectLst/>
-          <a:extLst>
-            <a:ext uri="{909E8E84-426E-40DD-AFC4-6F175D3DCCD1}">
-              <a14:hiddenFill xmlns:a14="http://schemas.microsoft.com/office/drawing/2010/main">
-                <a:solidFill>
-                  <a:schemeClr val="accent1"/>
-                </a:solidFill>
-              </a14:hiddenFill>
-            </a:ext>
-            <a:ext uri="{91240B29-F687-4F45-9708-019B960494DF}">
-              <a14:hiddenLine xmlns:a14="http://schemas.microsoft.com/office/drawing/2010/main" w="9525">
-                <a:solidFill>
-                  <a:schemeClr val="tx1"/>
-                </a:solidFill>
-                <a:miter lim="800000"/>
-                <a:headEnd/>
-                <a:tailEnd/>
-              </a14:hiddenLine>
-            </a:ext>
-            <a:ext uri="{AF507438-7753-43E0-B8FC-AC1667EBCBE1}">
-              <a14:hiddenEffects xmlns:a14="http://schemas.microsoft.com/office/drawing/2010/main">
-                <a:effectLst>
-                  <a:outerShdw dist="35921" dir="2700000" algn="ctr" rotWithShape="0">
-                    <a:schemeClr val="bg2"/>
-                  </a:outerShdw>
-                </a:effectLst>
-              </a14:hiddenEffects>
-            </a:ext>
-          </a:extLst>
-        </p:spPr>
-        <p:txBody>
-          <a:bodyPr wrap="none" lIns="48971" tIns="24486" rIns="48971" bIns="24486">
-            <a:spAutoFit/>
-          </a:bodyPr>
-          <a:lstStyle>
-            <a:lvl1pPr defTabSz="4389438" eaLnBrk="0" hangingPunct="0">
-              <a:defRPr sz="2200">
-                <a:solidFill>
-                  <a:schemeClr val="tx1"/>
-                </a:solidFill>
-                <a:latin typeface="Arial" charset="0"/>
-              </a:defRPr>
-            </a:lvl1pPr>
-            <a:lvl2pPr marL="742950" indent="-285750" defTabSz="4389438" eaLnBrk="0" hangingPunct="0">
-              <a:defRPr sz="2200">
-                <a:solidFill>
-                  <a:schemeClr val="tx1"/>
-                </a:solidFill>
-                <a:latin typeface="Arial" charset="0"/>
-              </a:defRPr>
-            </a:lvl2pPr>
-            <a:lvl3pPr marL="1143000" indent="-228600" defTabSz="4389438" eaLnBrk="0" hangingPunct="0">
-              <a:defRPr sz="2200">
-                <a:solidFill>
-                  <a:schemeClr val="tx1"/>
-                </a:solidFill>
-                <a:latin typeface="Arial" charset="0"/>
-              </a:defRPr>
-            </a:lvl3pPr>
-            <a:lvl4pPr marL="1600200" indent="-228600" defTabSz="4389438" eaLnBrk="0" hangingPunct="0">
-              <a:defRPr sz="2200">
-                <a:solidFill>
-                  <a:schemeClr val="tx1"/>
-                </a:solidFill>
-                <a:latin typeface="Arial" charset="0"/>
-              </a:defRPr>
-            </a:lvl4pPr>
-            <a:lvl5pPr marL="2057400" indent="-228600" defTabSz="4389438" eaLnBrk="0" hangingPunct="0">
-              <a:defRPr sz="2200">
-                <a:solidFill>
-                  <a:schemeClr val="tx1"/>
-                </a:solidFill>
-                <a:latin typeface="Arial" charset="0"/>
-              </a:defRPr>
-            </a:lvl5pPr>
-            <a:lvl6pPr marL="2514600" indent="-228600" defTabSz="4389438" eaLnBrk="0" fontAlgn="base" hangingPunct="0">
-              <a:spcBef>
-                <a:spcPct val="0"/>
-              </a:spcBef>
-              <a:spcAft>
-                <a:spcPct val="0"/>
-              </a:spcAft>
-              <a:defRPr sz="2200">
-                <a:solidFill>
-                  <a:schemeClr val="tx1"/>
-                </a:solidFill>
-                <a:latin typeface="Arial" charset="0"/>
-              </a:defRPr>
-            </a:lvl6pPr>
-            <a:lvl7pPr marL="2971800" indent="-228600" defTabSz="4389438" eaLnBrk="0" fontAlgn="base" hangingPunct="0">
-              <a:spcBef>
-                <a:spcPct val="0"/>
-              </a:spcBef>
-              <a:spcAft>
-                <a:spcPct val="0"/>
-              </a:spcAft>
-              <a:defRPr sz="2200">
-                <a:solidFill>
-                  <a:schemeClr val="tx1"/>
-                </a:solidFill>
-                <a:latin typeface="Arial" charset="0"/>
-              </a:defRPr>
-            </a:lvl7pPr>
-            <a:lvl8pPr marL="3429000" indent="-228600" defTabSz="4389438" eaLnBrk="0" fontAlgn="base" hangingPunct="0">
-              <a:spcBef>
-                <a:spcPct val="0"/>
-              </a:spcBef>
-              <a:spcAft>
-                <a:spcPct val="0"/>
-              </a:spcAft>
-              <a:defRPr sz="2200">
-                <a:solidFill>
-                  <a:schemeClr val="tx1"/>
-                </a:solidFill>
-                <a:latin typeface="Arial" charset="0"/>
-              </a:defRPr>
-            </a:lvl8pPr>
-            <a:lvl9pPr marL="3886200" indent="-228600" defTabSz="4389438" eaLnBrk="0" fontAlgn="base" hangingPunct="0">
-              <a:spcBef>
-                <a:spcPct val="0"/>
-              </a:spcBef>
-              <a:spcAft>
-                <a:spcPct val="0"/>
-              </a:spcAft>
-              <a:defRPr sz="2200">
-                <a:solidFill>
-                  <a:schemeClr val="tx1"/>
-                </a:solidFill>
-                <a:latin typeface="Arial" charset="0"/>
-              </a:defRPr>
-            </a:lvl9pPr>
-          </a:lstStyle>
-          <a:p>
-            <a:pPr algn="ctr" eaLnBrk="1" hangingPunct="1"/>
-            <a:r>
-              <a:rPr lang="en-US" sz="1600" b="1" dirty="0">
-                <a:latin typeface="Calibri" pitchFamily="34" charset="0"/>
-              </a:rPr>
-              <a:t>Chart 1.</a:t>
-            </a:r>
-            <a:r>
-              <a:rPr lang="en-US" sz="1600" dirty="0">
-                <a:latin typeface="Calibri" pitchFamily="34" charset="0"/>
-              </a:rPr>
-              <a:t> Label in 16pt Calibri.</a:t>
+              <a:t> Residual plots for final models</a:t>
             </a:r>
           </a:p>
         </p:txBody>
@@ -7149,7 +6260,7 @@
             <a:avLst/>
           </a:prstGeom>
           <a:blipFill dpi="0" rotWithShape="1">
-            <a:blip r:embed="rId7">
+            <a:blip r:embed="rId5">
               <a:lum bright="70000" contrast="-70000"/>
             </a:blip>
             <a:srcRect/>
@@ -7201,75 +6312,6 @@
           </a:p>
         </p:txBody>
       </p:sp>
-      <p:sp>
-        <p:nvSpPr>
-          <p:cNvPr id="31" name="Rectangle 265"/>
-          <p:cNvSpPr>
-            <a:spLocks noChangeAspect="1" noChangeArrowheads="1"/>
-          </p:cNvSpPr>
-          <p:nvPr/>
-        </p:nvSpPr>
-        <p:spPr bwMode="auto">
-          <a:xfrm>
-            <a:off x="29992320" y="731520"/>
-            <a:ext cx="1827358" cy="1371600"/>
-          </a:xfrm>
-          <a:prstGeom prst="rect">
-            <a:avLst/>
-          </a:prstGeom>
-          <a:blipFill dpi="0" rotWithShape="1">
-            <a:blip r:embed="rId7">
-              <a:lum bright="70000" contrast="-70000"/>
-            </a:blip>
-            <a:srcRect/>
-            <a:stretch>
-              <a:fillRect r="-79"/>
-            </a:stretch>
-          </a:blipFill>
-          <a:ln w="9525">
-            <a:solidFill>
-              <a:schemeClr val="tx1"/>
-            </a:solidFill>
-            <a:miter lim="800000"/>
-            <a:headEnd/>
-            <a:tailEnd/>
-          </a:ln>
-          <a:effectLst/>
-          <a:extLst>
-            <a:ext uri="{AF507438-7753-43E0-B8FC-AC1667EBCBE1}">
-              <a14:hiddenEffects xmlns:a14="http://schemas.microsoft.com/office/drawing/2010/main">
-                <a:effectLst>
-                  <a:outerShdw dist="35921" dir="2700000" algn="ctr" rotWithShape="0">
-                    <a:schemeClr val="bg2"/>
-                  </a:outerShdw>
-                </a:effectLst>
-              </a14:hiddenEffects>
-            </a:ext>
-          </a:extLst>
-        </p:spPr>
-        <p:txBody>
-          <a:bodyPr lIns="83814" tIns="41907" rIns="83814" bIns="41907" anchor="ctr"/>
-          <a:lstStyle/>
-          <a:p>
-            <a:pPr algn="ctr" defTabSz="4022725"/>
-            <a:r>
-              <a:rPr lang="en-US" sz="1200" b="1" dirty="0">
-                <a:latin typeface="Calibri" pitchFamily="34" charset="0"/>
-              </a:rPr>
-              <a:t>REPLACE THIS BOX WITH YOUR ORGANIZATION’S</a:t>
-            </a:r>
-          </a:p>
-          <a:p>
-            <a:pPr algn="ctr" defTabSz="4022725"/>
-            <a:r>
-              <a:rPr lang="en-US" sz="1200" b="1" dirty="0">
-                <a:latin typeface="Calibri" pitchFamily="34" charset="0"/>
-              </a:rPr>
-              <a:t>HIGH RESOLUTION LOGO</a:t>
-            </a:r>
-          </a:p>
-        </p:txBody>
-      </p:sp>
       <p:pic>
         <p:nvPicPr>
           <p:cNvPr id="38" name="Picture 37"/>
@@ -7279,7 +6321,7 @@
           <p:nvPr/>
         </p:nvPicPr>
         <p:blipFill>
-          <a:blip r:embed="rId8" cstate="print">
+          <a:blip r:embed="rId6" cstate="print">
             <a:extLst>
               <a:ext uri="{28A0092B-C50C-407E-A947-70E740481C1C}">
                 <a14:useLocalDpi xmlns:a14="http://schemas.microsoft.com/office/drawing/2010/main" val="0"/>
@@ -7300,6 +6342,1027 @@
           </a:prstGeom>
         </p:spPr>
       </p:pic>
+      <p:pic>
+        <p:nvPicPr>
+          <p:cNvPr id="6" name="Picture 5">
+            <a:extLst>
+              <a:ext uri="{FF2B5EF4-FFF2-40B4-BE49-F238E27FC236}">
+                <a16:creationId xmlns:a16="http://schemas.microsoft.com/office/drawing/2014/main" id="{67256104-ABF5-4B26-8DC8-6E5B23A6989D}"/>
+              </a:ext>
+            </a:extLst>
+          </p:cNvPr>
+          <p:cNvPicPr>
+            <a:picLocks noChangeAspect="1"/>
+          </p:cNvPicPr>
+          <p:nvPr/>
+        </p:nvPicPr>
+        <p:blipFill>
+          <a:blip r:embed="rId7">
+            <a:extLst>
+              <a:ext uri="{28A0092B-C50C-407E-A947-70E740481C1C}">
+                <a14:useLocalDpi xmlns:a14="http://schemas.microsoft.com/office/drawing/2010/main" val="0"/>
+              </a:ext>
+            </a:extLst>
+          </a:blip>
+          <a:stretch>
+            <a:fillRect/>
+          </a:stretch>
+        </p:blipFill>
+        <p:spPr>
+          <a:xfrm>
+            <a:off x="6240938" y="14173200"/>
+            <a:ext cx="4731862" cy="4186306"/>
+          </a:xfrm>
+          <a:prstGeom prst="rect">
+            <a:avLst/>
+          </a:prstGeom>
+        </p:spPr>
+      </p:pic>
+      <p:pic>
+        <p:nvPicPr>
+          <p:cNvPr id="18" name="Picture 17">
+            <a:extLst>
+              <a:ext uri="{FF2B5EF4-FFF2-40B4-BE49-F238E27FC236}">
+                <a16:creationId xmlns:a16="http://schemas.microsoft.com/office/drawing/2014/main" id="{DF4DFA66-6AE8-44F1-847E-333E9D664FAD}"/>
+              </a:ext>
+            </a:extLst>
+          </p:cNvPr>
+          <p:cNvPicPr>
+            <a:picLocks noChangeAspect="1"/>
+          </p:cNvPicPr>
+          <p:nvPr/>
+        </p:nvPicPr>
+        <p:blipFill>
+          <a:blip r:embed="rId8">
+            <a:extLst>
+              <a:ext uri="{28A0092B-C50C-407E-A947-70E740481C1C}">
+                <a14:useLocalDpi xmlns:a14="http://schemas.microsoft.com/office/drawing/2010/main" val="0"/>
+              </a:ext>
+            </a:extLst>
+          </a:blip>
+          <a:stretch>
+            <a:fillRect/>
+          </a:stretch>
+        </p:blipFill>
+        <p:spPr>
+          <a:xfrm>
+            <a:off x="1097280" y="14173200"/>
+            <a:ext cx="4731862" cy="4186306"/>
+          </a:xfrm>
+          <a:prstGeom prst="rect">
+            <a:avLst/>
+          </a:prstGeom>
+        </p:spPr>
+      </p:pic>
+      <p:sp>
+        <p:nvSpPr>
+          <p:cNvPr id="39" name="Text Box 180">
+            <a:extLst>
+              <a:ext uri="{FF2B5EF4-FFF2-40B4-BE49-F238E27FC236}">
+                <a16:creationId xmlns:a16="http://schemas.microsoft.com/office/drawing/2014/main" id="{E7AE8475-E2BA-4B31-8741-D0177C12CCCF}"/>
+              </a:ext>
+            </a:extLst>
+          </p:cNvPr>
+          <p:cNvSpPr txBox="1">
+            <a:spLocks noChangeArrowheads="1"/>
+          </p:cNvSpPr>
+          <p:nvPr/>
+        </p:nvSpPr>
+        <p:spPr bwMode="auto">
+          <a:xfrm>
+            <a:off x="1336783" y="18359505"/>
+            <a:ext cx="4252856" cy="295671"/>
+          </a:xfrm>
+          <a:prstGeom prst="rect">
+            <a:avLst/>
+          </a:prstGeom>
+          <a:noFill/>
+          <a:ln>
+            <a:noFill/>
+          </a:ln>
+          <a:effectLst/>
+          <a:extLst>
+            <a:ext uri="{909E8E84-426E-40DD-AFC4-6F175D3DCCD1}">
+              <a14:hiddenFill xmlns:a14="http://schemas.microsoft.com/office/drawing/2010/main">
+                <a:solidFill>
+                  <a:schemeClr val="accent1"/>
+                </a:solidFill>
+              </a14:hiddenFill>
+            </a:ext>
+            <a:ext uri="{91240B29-F687-4F45-9708-019B960494DF}">
+              <a14:hiddenLine xmlns:a14="http://schemas.microsoft.com/office/drawing/2010/main" w="9525">
+                <a:solidFill>
+                  <a:schemeClr val="tx1"/>
+                </a:solidFill>
+                <a:miter lim="800000"/>
+                <a:headEnd/>
+                <a:tailEnd/>
+              </a14:hiddenLine>
+            </a:ext>
+            <a:ext uri="{AF507438-7753-43E0-B8FC-AC1667EBCBE1}">
+              <a14:hiddenEffects xmlns:a14="http://schemas.microsoft.com/office/drawing/2010/main">
+                <a:effectLst>
+                  <a:outerShdw dist="35921" dir="2700000" algn="ctr" rotWithShape="0">
+                    <a:schemeClr val="bg2"/>
+                  </a:outerShdw>
+                </a:effectLst>
+              </a14:hiddenEffects>
+            </a:ext>
+          </a:extLst>
+        </p:spPr>
+        <p:txBody>
+          <a:bodyPr wrap="none" lIns="48971" tIns="24486" rIns="48971" bIns="24486">
+            <a:spAutoFit/>
+          </a:bodyPr>
+          <a:lstStyle>
+            <a:lvl1pPr defTabSz="4389438" eaLnBrk="0" hangingPunct="0">
+              <a:defRPr sz="2200">
+                <a:solidFill>
+                  <a:schemeClr val="tx1"/>
+                </a:solidFill>
+                <a:latin typeface="Arial" charset="0"/>
+              </a:defRPr>
+            </a:lvl1pPr>
+            <a:lvl2pPr marL="742950" indent="-285750" defTabSz="4389438" eaLnBrk="0" hangingPunct="0">
+              <a:defRPr sz="2200">
+                <a:solidFill>
+                  <a:schemeClr val="tx1"/>
+                </a:solidFill>
+                <a:latin typeface="Arial" charset="0"/>
+              </a:defRPr>
+            </a:lvl2pPr>
+            <a:lvl3pPr marL="1143000" indent="-228600" defTabSz="4389438" eaLnBrk="0" hangingPunct="0">
+              <a:defRPr sz="2200">
+                <a:solidFill>
+                  <a:schemeClr val="tx1"/>
+                </a:solidFill>
+                <a:latin typeface="Arial" charset="0"/>
+              </a:defRPr>
+            </a:lvl3pPr>
+            <a:lvl4pPr marL="1600200" indent="-228600" defTabSz="4389438" eaLnBrk="0" hangingPunct="0">
+              <a:defRPr sz="2200">
+                <a:solidFill>
+                  <a:schemeClr val="tx1"/>
+                </a:solidFill>
+                <a:latin typeface="Arial" charset="0"/>
+              </a:defRPr>
+            </a:lvl4pPr>
+            <a:lvl5pPr marL="2057400" indent="-228600" defTabSz="4389438" eaLnBrk="0" hangingPunct="0">
+              <a:defRPr sz="2200">
+                <a:solidFill>
+                  <a:schemeClr val="tx1"/>
+                </a:solidFill>
+                <a:latin typeface="Arial" charset="0"/>
+              </a:defRPr>
+            </a:lvl5pPr>
+            <a:lvl6pPr marL="2514600" indent="-228600" defTabSz="4389438" eaLnBrk="0" fontAlgn="base" hangingPunct="0">
+              <a:spcBef>
+                <a:spcPct val="0"/>
+              </a:spcBef>
+              <a:spcAft>
+                <a:spcPct val="0"/>
+              </a:spcAft>
+              <a:defRPr sz="2200">
+                <a:solidFill>
+                  <a:schemeClr val="tx1"/>
+                </a:solidFill>
+                <a:latin typeface="Arial" charset="0"/>
+              </a:defRPr>
+            </a:lvl6pPr>
+            <a:lvl7pPr marL="2971800" indent="-228600" defTabSz="4389438" eaLnBrk="0" fontAlgn="base" hangingPunct="0">
+              <a:spcBef>
+                <a:spcPct val="0"/>
+              </a:spcBef>
+              <a:spcAft>
+                <a:spcPct val="0"/>
+              </a:spcAft>
+              <a:defRPr sz="2200">
+                <a:solidFill>
+                  <a:schemeClr val="tx1"/>
+                </a:solidFill>
+                <a:latin typeface="Arial" charset="0"/>
+              </a:defRPr>
+            </a:lvl7pPr>
+            <a:lvl8pPr marL="3429000" indent="-228600" defTabSz="4389438" eaLnBrk="0" fontAlgn="base" hangingPunct="0">
+              <a:spcBef>
+                <a:spcPct val="0"/>
+              </a:spcBef>
+              <a:spcAft>
+                <a:spcPct val="0"/>
+              </a:spcAft>
+              <a:defRPr sz="2200">
+                <a:solidFill>
+                  <a:schemeClr val="tx1"/>
+                </a:solidFill>
+                <a:latin typeface="Arial" charset="0"/>
+              </a:defRPr>
+            </a:lvl8pPr>
+            <a:lvl9pPr marL="3886200" indent="-228600" defTabSz="4389438" eaLnBrk="0" fontAlgn="base" hangingPunct="0">
+              <a:spcBef>
+                <a:spcPct val="0"/>
+              </a:spcBef>
+              <a:spcAft>
+                <a:spcPct val="0"/>
+              </a:spcAft>
+              <a:defRPr sz="2200">
+                <a:solidFill>
+                  <a:schemeClr val="tx1"/>
+                </a:solidFill>
+                <a:latin typeface="Arial" charset="0"/>
+              </a:defRPr>
+            </a:lvl9pPr>
+          </a:lstStyle>
+          <a:p>
+            <a:pPr algn="ctr" eaLnBrk="1" hangingPunct="1"/>
+            <a:r>
+              <a:rPr lang="en-US" sz="1600" b="1" dirty="0">
+                <a:latin typeface="Calibri" pitchFamily="34" charset="0"/>
+              </a:rPr>
+              <a:t>Figure 1.</a:t>
+            </a:r>
+            <a:r>
+              <a:rPr lang="en-US" sz="1600" dirty="0">
+                <a:latin typeface="Calibri" pitchFamily="34" charset="0"/>
+              </a:rPr>
+              <a:t> Deviance Comparison of Poisson Models</a:t>
+            </a:r>
+          </a:p>
+        </p:txBody>
+      </p:sp>
+      <p:graphicFrame>
+        <p:nvGraphicFramePr>
+          <p:cNvPr id="42" name="Table 41">
+            <a:extLst>
+              <a:ext uri="{FF2B5EF4-FFF2-40B4-BE49-F238E27FC236}">
+                <a16:creationId xmlns:a16="http://schemas.microsoft.com/office/drawing/2014/main" id="{BB038153-30BE-4F58-84BF-92D9B006533D}"/>
+              </a:ext>
+            </a:extLst>
+          </p:cNvPr>
+          <p:cNvGraphicFramePr>
+            <a:graphicFrameLocks noGrp="1"/>
+          </p:cNvGraphicFramePr>
+          <p:nvPr>
+            <p:extLst>
+              <p:ext uri="{D42A27DB-BD31-4B8C-83A1-F6EECF244321}">
+                <p14:modId xmlns:p14="http://schemas.microsoft.com/office/powerpoint/2010/main" val="1214898014"/>
+              </p:ext>
+            </p:extLst>
+          </p:nvPr>
+        </p:nvGraphicFramePr>
+        <p:xfrm>
+          <a:off x="11521440" y="14505946"/>
+          <a:ext cx="9875520" cy="3867682"/>
+        </p:xfrm>
+        <a:graphic>
+          <a:graphicData uri="http://schemas.openxmlformats.org/drawingml/2006/table">
+            <a:tbl>
+              <a:tblPr firstRow="1" bandRow="1">
+                <a:tableStyleId>{5C22544A-7EE6-4342-B048-85BDC9FD1C3A}</a:tableStyleId>
+              </a:tblPr>
+              <a:tblGrid>
+                <a:gridCol w="4937760">
+                  <a:extLst>
+                    <a:ext uri="{9D8B030D-6E8A-4147-A177-3AD203B41FA5}">
+                      <a16:colId xmlns:a16="http://schemas.microsoft.com/office/drawing/2014/main" val="584864979"/>
+                    </a:ext>
+                  </a:extLst>
+                </a:gridCol>
+                <a:gridCol w="4937760">
+                  <a:extLst>
+                    <a:ext uri="{9D8B030D-6E8A-4147-A177-3AD203B41FA5}">
+                      <a16:colId xmlns:a16="http://schemas.microsoft.com/office/drawing/2014/main" val="3666933411"/>
+                    </a:ext>
+                  </a:extLst>
+                </a:gridCol>
+              </a:tblGrid>
+              <a:tr h="588443">
+                <a:tc>
+                  <a:txBody>
+                    <a:bodyPr/>
+                    <a:lstStyle/>
+                    <a:p>
+                      <a:r>
+                        <a:rPr lang="en-US" sz="2400" dirty="0"/>
+                        <a:t>Models Compared (winner in italics)</a:t>
+                      </a:r>
+                    </a:p>
+                  </a:txBody>
+                  <a:tcPr/>
+                </a:tc>
+                <a:tc>
+                  <a:txBody>
+                    <a:bodyPr/>
+                    <a:lstStyle/>
+                    <a:p>
+                      <a:r>
+                        <a:rPr lang="en-US" sz="2400" dirty="0" err="1"/>
+                        <a:t>Vuong</a:t>
+                      </a:r>
+                      <a:r>
+                        <a:rPr lang="en-US" sz="2400" dirty="0"/>
+                        <a:t> z-statistic</a:t>
+                      </a:r>
+                    </a:p>
+                  </a:txBody>
+                  <a:tcPr/>
+                </a:tc>
+                <a:extLst>
+                  <a:ext uri="{0D108BD9-81ED-4DB2-BD59-A6C34878D82A}">
+                    <a16:rowId xmlns:a16="http://schemas.microsoft.com/office/drawing/2014/main" val="732664663"/>
+                  </a:ext>
+                </a:extLst>
+              </a:tr>
+              <a:tr h="588443">
+                <a:tc>
+                  <a:txBody>
+                    <a:bodyPr/>
+                    <a:lstStyle/>
+                    <a:p>
+                      <a:r>
+                        <a:rPr lang="en-US" sz="2000" dirty="0"/>
+                        <a:t>Poisson and </a:t>
+                      </a:r>
+                      <a:r>
+                        <a:rPr lang="en-US" sz="2000" i="1" dirty="0"/>
+                        <a:t>Negative Binomial</a:t>
+                      </a:r>
+                    </a:p>
+                  </a:txBody>
+                  <a:tcPr/>
+                </a:tc>
+                <a:tc>
+                  <a:txBody>
+                    <a:bodyPr/>
+                    <a:lstStyle/>
+                    <a:p>
+                      <a:r>
+                        <a:rPr lang="en-US" sz="2000" dirty="0"/>
+                        <a:t>79.34</a:t>
+                      </a:r>
+                    </a:p>
+                  </a:txBody>
+                  <a:tcPr/>
+                </a:tc>
+                <a:extLst>
+                  <a:ext uri="{0D108BD9-81ED-4DB2-BD59-A6C34878D82A}">
+                    <a16:rowId xmlns:a16="http://schemas.microsoft.com/office/drawing/2014/main" val="3193283604"/>
+                  </a:ext>
+                </a:extLst>
+              </a:tr>
+              <a:tr h="588443">
+                <a:tc>
+                  <a:txBody>
+                    <a:bodyPr/>
+                    <a:lstStyle/>
+                    <a:p>
+                      <a:r>
+                        <a:rPr lang="en-US" sz="2000" i="0" dirty="0"/>
+                        <a:t>Poisson and </a:t>
+                      </a:r>
+                      <a:r>
+                        <a:rPr lang="en-US" sz="2000" i="1" dirty="0"/>
+                        <a:t>Zero-inflated Poisson</a:t>
+                      </a:r>
+                      <a:endParaRPr lang="en-US" sz="2000" i="0" dirty="0"/>
+                    </a:p>
+                  </a:txBody>
+                  <a:tcPr/>
+                </a:tc>
+                <a:tc>
+                  <a:txBody>
+                    <a:bodyPr/>
+                    <a:lstStyle/>
+                    <a:p>
+                      <a:r>
+                        <a:rPr lang="en-US" sz="2000" dirty="0"/>
+                        <a:t>79.74</a:t>
+                      </a:r>
+                    </a:p>
+                  </a:txBody>
+                  <a:tcPr/>
+                </a:tc>
+                <a:extLst>
+                  <a:ext uri="{0D108BD9-81ED-4DB2-BD59-A6C34878D82A}">
+                    <a16:rowId xmlns:a16="http://schemas.microsoft.com/office/drawing/2014/main" val="2803021129"/>
+                  </a:ext>
+                </a:extLst>
+              </a:tr>
+              <a:tr h="700273">
+                <a:tc>
+                  <a:txBody>
+                    <a:bodyPr/>
+                    <a:lstStyle/>
+                    <a:p>
+                      <a:r>
+                        <a:rPr lang="en-US" sz="2000" i="0" dirty="0"/>
+                        <a:t>Zero-inflated Poisson and </a:t>
+                      </a:r>
+                      <a:r>
+                        <a:rPr lang="en-US" sz="2000" i="1" dirty="0"/>
+                        <a:t>Negative Binomial</a:t>
+                      </a:r>
+                      <a:endParaRPr lang="en-US" sz="2000" i="0" dirty="0"/>
+                    </a:p>
+                  </a:txBody>
+                  <a:tcPr/>
+                </a:tc>
+                <a:tc>
+                  <a:txBody>
+                    <a:bodyPr/>
+                    <a:lstStyle/>
+                    <a:p>
+                      <a:r>
+                        <a:rPr lang="en-US" sz="2000" dirty="0"/>
+                        <a:t>62.27</a:t>
+                      </a:r>
+                    </a:p>
+                  </a:txBody>
+                  <a:tcPr/>
+                </a:tc>
+                <a:extLst>
+                  <a:ext uri="{0D108BD9-81ED-4DB2-BD59-A6C34878D82A}">
+                    <a16:rowId xmlns:a16="http://schemas.microsoft.com/office/drawing/2014/main" val="44431426"/>
+                  </a:ext>
+                </a:extLst>
+              </a:tr>
+              <a:tr h="700273">
+                <a:tc>
+                  <a:txBody>
+                    <a:bodyPr/>
+                    <a:lstStyle/>
+                    <a:p>
+                      <a:r>
+                        <a:rPr lang="en-US" sz="2000" i="1" dirty="0"/>
+                        <a:t>Zero-inflated Negative Binomial </a:t>
+                      </a:r>
+                      <a:r>
+                        <a:rPr lang="en-US" sz="2000" i="0" dirty="0"/>
+                        <a:t>and Negative Binomial</a:t>
+                      </a:r>
+                      <a:endParaRPr lang="en-US" sz="2000" i="1" dirty="0"/>
+                    </a:p>
+                  </a:txBody>
+                  <a:tcPr/>
+                </a:tc>
+                <a:tc>
+                  <a:txBody>
+                    <a:bodyPr/>
+                    <a:lstStyle/>
+                    <a:p>
+                      <a:r>
+                        <a:rPr lang="en-US" sz="2000" dirty="0"/>
+                        <a:t>36.45</a:t>
+                      </a:r>
+                    </a:p>
+                  </a:txBody>
+                  <a:tcPr/>
+                </a:tc>
+                <a:extLst>
+                  <a:ext uri="{0D108BD9-81ED-4DB2-BD59-A6C34878D82A}">
+                    <a16:rowId xmlns:a16="http://schemas.microsoft.com/office/drawing/2014/main" val="1390133807"/>
+                  </a:ext>
+                </a:extLst>
+              </a:tr>
+              <a:tr h="700273">
+                <a:tc>
+                  <a:txBody>
+                    <a:bodyPr/>
+                    <a:lstStyle/>
+                    <a:p>
+                      <a:r>
+                        <a:rPr lang="en-US" sz="2000" i="0" dirty="0"/>
+                        <a:t>Zero-inflated Poisson and </a:t>
+                      </a:r>
+                      <a:r>
+                        <a:rPr lang="en-US" sz="2000" i="1" dirty="0"/>
+                        <a:t>Zero-inflated Negative Binomial</a:t>
+                      </a:r>
+                      <a:endParaRPr lang="en-US" sz="2000" i="0" dirty="0"/>
+                    </a:p>
+                  </a:txBody>
+                  <a:tcPr/>
+                </a:tc>
+                <a:tc>
+                  <a:txBody>
+                    <a:bodyPr/>
+                    <a:lstStyle/>
+                    <a:p>
+                      <a:r>
+                        <a:rPr lang="en-US" sz="2000" dirty="0"/>
+                        <a:t>63.45</a:t>
+                      </a:r>
+                    </a:p>
+                  </a:txBody>
+                  <a:tcPr/>
+                </a:tc>
+                <a:extLst>
+                  <a:ext uri="{0D108BD9-81ED-4DB2-BD59-A6C34878D82A}">
+                    <a16:rowId xmlns:a16="http://schemas.microsoft.com/office/drawing/2014/main" val="2857314112"/>
+                  </a:ext>
+                </a:extLst>
+              </a:tr>
+            </a:tbl>
+          </a:graphicData>
+        </a:graphic>
+      </p:graphicFrame>
+      <p:pic>
+        <p:nvPicPr>
+          <p:cNvPr id="21" name="Picture 20">
+            <a:extLst>
+              <a:ext uri="{FF2B5EF4-FFF2-40B4-BE49-F238E27FC236}">
+                <a16:creationId xmlns:a16="http://schemas.microsoft.com/office/drawing/2014/main" id="{1917B270-A5AC-475E-9803-D4AAE693137D}"/>
+              </a:ext>
+            </a:extLst>
+          </p:cNvPr>
+          <p:cNvPicPr>
+            <a:picLocks noChangeAspect="1"/>
+          </p:cNvPicPr>
+          <p:nvPr/>
+        </p:nvPicPr>
+        <p:blipFill>
+          <a:blip r:embed="rId9">
+            <a:extLst>
+              <a:ext uri="{28A0092B-C50C-407E-A947-70E740481C1C}">
+                <a14:useLocalDpi xmlns:a14="http://schemas.microsoft.com/office/drawing/2010/main" val="0"/>
+              </a:ext>
+            </a:extLst>
+          </a:blip>
+          <a:stretch>
+            <a:fillRect/>
+          </a:stretch>
+        </p:blipFill>
+        <p:spPr>
+          <a:xfrm>
+            <a:off x="26894742" y="3200400"/>
+            <a:ext cx="4924936" cy="4357120"/>
+          </a:xfrm>
+          <a:prstGeom prst="rect">
+            <a:avLst/>
+          </a:prstGeom>
+        </p:spPr>
+      </p:pic>
+      <p:graphicFrame>
+        <p:nvGraphicFramePr>
+          <p:cNvPr id="22" name="Table 21">
+            <a:extLst>
+              <a:ext uri="{FF2B5EF4-FFF2-40B4-BE49-F238E27FC236}">
+                <a16:creationId xmlns:a16="http://schemas.microsoft.com/office/drawing/2014/main" id="{377DCEA4-57CE-4BD0-94E6-FFC081A963F2}"/>
+              </a:ext>
+            </a:extLst>
+          </p:cNvPr>
+          <p:cNvGraphicFramePr>
+            <a:graphicFrameLocks noGrp="1"/>
+          </p:cNvGraphicFramePr>
+          <p:nvPr>
+            <p:extLst>
+              <p:ext uri="{D42A27DB-BD31-4B8C-83A1-F6EECF244321}">
+                <p14:modId xmlns:p14="http://schemas.microsoft.com/office/powerpoint/2010/main" val="245551368"/>
+              </p:ext>
+            </p:extLst>
+          </p:nvPr>
+        </p:nvGraphicFramePr>
+        <p:xfrm>
+          <a:off x="21945600" y="3206212"/>
+          <a:ext cx="4949142" cy="4359872"/>
+        </p:xfrm>
+        <a:graphic>
+          <a:graphicData uri="http://schemas.openxmlformats.org/drawingml/2006/table">
+            <a:tbl>
+              <a:tblPr firstRow="1" bandRow="1">
+                <a:tableStyleId>{5C22544A-7EE6-4342-B048-85BDC9FD1C3A}</a:tableStyleId>
+              </a:tblPr>
+              <a:tblGrid>
+                <a:gridCol w="1649714">
+                  <a:extLst>
+                    <a:ext uri="{9D8B030D-6E8A-4147-A177-3AD203B41FA5}">
+                      <a16:colId xmlns:a16="http://schemas.microsoft.com/office/drawing/2014/main" val="2271883343"/>
+                    </a:ext>
+                  </a:extLst>
+                </a:gridCol>
+                <a:gridCol w="1649714">
+                  <a:extLst>
+                    <a:ext uri="{9D8B030D-6E8A-4147-A177-3AD203B41FA5}">
+                      <a16:colId xmlns:a16="http://schemas.microsoft.com/office/drawing/2014/main" val="716043565"/>
+                    </a:ext>
+                  </a:extLst>
+                </a:gridCol>
+                <a:gridCol w="1649714">
+                  <a:extLst>
+                    <a:ext uri="{9D8B030D-6E8A-4147-A177-3AD203B41FA5}">
+                      <a16:colId xmlns:a16="http://schemas.microsoft.com/office/drawing/2014/main" val="45608328"/>
+                    </a:ext>
+                  </a:extLst>
+                </a:gridCol>
+              </a:tblGrid>
+              <a:tr h="989215">
+                <a:tc>
+                  <a:txBody>
+                    <a:bodyPr/>
+                    <a:lstStyle/>
+                    <a:p>
+                      <a:r>
+                        <a:rPr lang="en-US" sz="2400" dirty="0"/>
+                        <a:t>Model</a:t>
+                      </a:r>
+                    </a:p>
+                  </a:txBody>
+                  <a:tcPr/>
+                </a:tc>
+                <a:tc>
+                  <a:txBody>
+                    <a:bodyPr/>
+                    <a:lstStyle/>
+                    <a:p>
+                      <a:r>
+                        <a:rPr lang="en-US" sz="2400" dirty="0"/>
+                        <a:t>Predicted # of zeros</a:t>
+                      </a:r>
+                    </a:p>
+                  </a:txBody>
+                  <a:tcPr/>
+                </a:tc>
+                <a:tc>
+                  <a:txBody>
+                    <a:bodyPr/>
+                    <a:lstStyle/>
+                    <a:p>
+                      <a:r>
+                        <a:rPr lang="en-US" sz="2400" dirty="0"/>
+                        <a:t>Variance</a:t>
+                      </a:r>
+                    </a:p>
+                  </a:txBody>
+                  <a:tcPr/>
+                </a:tc>
+                <a:extLst>
+                  <a:ext uri="{0D108BD9-81ED-4DB2-BD59-A6C34878D82A}">
+                    <a16:rowId xmlns:a16="http://schemas.microsoft.com/office/drawing/2014/main" val="125032321"/>
+                  </a:ext>
+                </a:extLst>
+              </a:tr>
+              <a:tr h="476289">
+                <a:tc>
+                  <a:txBody>
+                    <a:bodyPr/>
+                    <a:lstStyle/>
+                    <a:p>
+                      <a:r>
+                        <a:rPr lang="en-US" sz="2000" dirty="0"/>
+                        <a:t>Poisson</a:t>
+                      </a:r>
+                    </a:p>
+                  </a:txBody>
+                  <a:tcPr/>
+                </a:tc>
+                <a:tc>
+                  <a:txBody>
+                    <a:bodyPr/>
+                    <a:lstStyle/>
+                    <a:p>
+                      <a:r>
+                        <a:rPr lang="en-US" sz="2000" dirty="0"/>
+                        <a:t>760</a:t>
+                      </a:r>
+                    </a:p>
+                  </a:txBody>
+                  <a:tcPr/>
+                </a:tc>
+                <a:tc>
+                  <a:txBody>
+                    <a:bodyPr/>
+                    <a:lstStyle/>
+                    <a:p>
+                      <a:r>
+                        <a:rPr lang="en-US" sz="2000" dirty="0"/>
+                        <a:t>19.71</a:t>
+                      </a:r>
+                    </a:p>
+                  </a:txBody>
+                  <a:tcPr/>
+                </a:tc>
+                <a:extLst>
+                  <a:ext uri="{0D108BD9-81ED-4DB2-BD59-A6C34878D82A}">
+                    <a16:rowId xmlns:a16="http://schemas.microsoft.com/office/drawing/2014/main" val="3966148313"/>
+                  </a:ext>
+                </a:extLst>
+              </a:tr>
+              <a:tr h="842664">
+                <a:tc>
+                  <a:txBody>
+                    <a:bodyPr/>
+                    <a:lstStyle/>
+                    <a:p>
+                      <a:r>
+                        <a:rPr lang="en-US" sz="2000" dirty="0"/>
+                        <a:t>Zero-inflated Poisson</a:t>
+                      </a:r>
+                    </a:p>
+                  </a:txBody>
+                  <a:tcPr/>
+                </a:tc>
+                <a:tc>
+                  <a:txBody>
+                    <a:bodyPr/>
+                    <a:lstStyle/>
+                    <a:p>
+                      <a:r>
+                        <a:rPr lang="en-US" sz="2000" dirty="0"/>
+                        <a:t>5265</a:t>
+                      </a:r>
+                    </a:p>
+                  </a:txBody>
+                  <a:tcPr/>
+                </a:tc>
+                <a:tc>
+                  <a:txBody>
+                    <a:bodyPr/>
+                    <a:lstStyle/>
+                    <a:p>
+                      <a:r>
+                        <a:rPr lang="en-US" sz="2000" dirty="0"/>
+                        <a:t>15.73</a:t>
+                      </a:r>
+                    </a:p>
+                  </a:txBody>
+                  <a:tcPr/>
+                </a:tc>
+                <a:extLst>
+                  <a:ext uri="{0D108BD9-81ED-4DB2-BD59-A6C34878D82A}">
+                    <a16:rowId xmlns:a16="http://schemas.microsoft.com/office/drawing/2014/main" val="2853486755"/>
+                  </a:ext>
+                </a:extLst>
+              </a:tr>
+              <a:tr h="842664">
+                <a:tc>
+                  <a:txBody>
+                    <a:bodyPr/>
+                    <a:lstStyle/>
+                    <a:p>
+                      <a:r>
+                        <a:rPr lang="en-US" sz="2000" dirty="0"/>
+                        <a:t>Negative Binomial</a:t>
+                      </a:r>
+                    </a:p>
+                  </a:txBody>
+                  <a:tcPr/>
+                </a:tc>
+                <a:tc>
+                  <a:txBody>
+                    <a:bodyPr/>
+                    <a:lstStyle/>
+                    <a:p>
+                      <a:r>
+                        <a:rPr lang="en-US" sz="2000" dirty="0"/>
+                        <a:t>559</a:t>
+                      </a:r>
+                    </a:p>
+                  </a:txBody>
+                  <a:tcPr/>
+                </a:tc>
+                <a:tc>
+                  <a:txBody>
+                    <a:bodyPr/>
+                    <a:lstStyle/>
+                    <a:p>
+                      <a:r>
+                        <a:rPr lang="en-US" sz="2000" dirty="0"/>
+                        <a:t>17.96</a:t>
+                      </a:r>
+                    </a:p>
+                  </a:txBody>
+                  <a:tcPr/>
+                </a:tc>
+                <a:extLst>
+                  <a:ext uri="{0D108BD9-81ED-4DB2-BD59-A6C34878D82A}">
+                    <a16:rowId xmlns:a16="http://schemas.microsoft.com/office/drawing/2014/main" val="1271225521"/>
+                  </a:ext>
+                </a:extLst>
+              </a:tr>
+              <a:tr h="1209040">
+                <a:tc>
+                  <a:txBody>
+                    <a:bodyPr/>
+                    <a:lstStyle/>
+                    <a:p>
+                      <a:r>
+                        <a:rPr lang="en-US" sz="2000" dirty="0"/>
+                        <a:t>Zero-inflated Negative Binomial</a:t>
+                      </a:r>
+                    </a:p>
+                  </a:txBody>
+                  <a:tcPr/>
+                </a:tc>
+                <a:tc>
+                  <a:txBody>
+                    <a:bodyPr/>
+                    <a:lstStyle/>
+                    <a:p>
+                      <a:r>
+                        <a:rPr lang="en-US" sz="2000" dirty="0"/>
+                        <a:t>4219</a:t>
+                      </a:r>
+                    </a:p>
+                  </a:txBody>
+                  <a:tcPr/>
+                </a:tc>
+                <a:tc>
+                  <a:txBody>
+                    <a:bodyPr/>
+                    <a:lstStyle/>
+                    <a:p>
+                      <a:r>
+                        <a:rPr lang="en-US" sz="2000" dirty="0"/>
+                        <a:t>23.43</a:t>
+                      </a:r>
+                    </a:p>
+                  </a:txBody>
+                  <a:tcPr/>
+                </a:tc>
+                <a:extLst>
+                  <a:ext uri="{0D108BD9-81ED-4DB2-BD59-A6C34878D82A}">
+                    <a16:rowId xmlns:a16="http://schemas.microsoft.com/office/drawing/2014/main" val="4246028572"/>
+                  </a:ext>
+                </a:extLst>
+              </a:tr>
+            </a:tbl>
+          </a:graphicData>
+        </a:graphic>
+      </p:graphicFrame>
+      <p:sp>
+        <p:nvSpPr>
+          <p:cNvPr id="46" name="Text Box 180">
+            <a:extLst>
+              <a:ext uri="{FF2B5EF4-FFF2-40B4-BE49-F238E27FC236}">
+                <a16:creationId xmlns:a16="http://schemas.microsoft.com/office/drawing/2014/main" id="{1BBF82CD-93E1-435A-B7CF-6E9E57D33BF6}"/>
+              </a:ext>
+            </a:extLst>
+          </p:cNvPr>
+          <p:cNvSpPr txBox="1">
+            <a:spLocks noChangeArrowheads="1"/>
+          </p:cNvSpPr>
+          <p:nvPr/>
+        </p:nvSpPr>
+        <p:spPr bwMode="auto">
+          <a:xfrm>
+            <a:off x="22760441" y="7560838"/>
+            <a:ext cx="3319460" cy="295671"/>
+          </a:xfrm>
+          <a:prstGeom prst="rect">
+            <a:avLst/>
+          </a:prstGeom>
+          <a:noFill/>
+          <a:ln>
+            <a:noFill/>
+          </a:ln>
+          <a:effectLst/>
+          <a:extLst>
+            <a:ext uri="{909E8E84-426E-40DD-AFC4-6F175D3DCCD1}">
+              <a14:hiddenFill xmlns:a14="http://schemas.microsoft.com/office/drawing/2010/main">
+                <a:solidFill>
+                  <a:schemeClr val="accent1"/>
+                </a:solidFill>
+              </a14:hiddenFill>
+            </a:ext>
+            <a:ext uri="{91240B29-F687-4F45-9708-019B960494DF}">
+              <a14:hiddenLine xmlns:a14="http://schemas.microsoft.com/office/drawing/2010/main" w="9525">
+                <a:solidFill>
+                  <a:schemeClr val="tx1"/>
+                </a:solidFill>
+                <a:miter lim="800000"/>
+                <a:headEnd/>
+                <a:tailEnd/>
+              </a14:hiddenLine>
+            </a:ext>
+            <a:ext uri="{AF507438-7753-43E0-B8FC-AC1667EBCBE1}">
+              <a14:hiddenEffects xmlns:a14="http://schemas.microsoft.com/office/drawing/2010/main">
+                <a:effectLst>
+                  <a:outerShdw dist="35921" dir="2700000" algn="ctr" rotWithShape="0">
+                    <a:schemeClr val="bg2"/>
+                  </a:outerShdw>
+                </a:effectLst>
+              </a14:hiddenEffects>
+            </a:ext>
+          </a:extLst>
+        </p:spPr>
+        <p:txBody>
+          <a:bodyPr wrap="none" lIns="48971" tIns="24486" rIns="48971" bIns="24486">
+            <a:spAutoFit/>
+          </a:bodyPr>
+          <a:lstStyle>
+            <a:lvl1pPr defTabSz="4389438" eaLnBrk="0" hangingPunct="0">
+              <a:defRPr sz="2200">
+                <a:solidFill>
+                  <a:schemeClr val="tx1"/>
+                </a:solidFill>
+                <a:latin typeface="Arial" charset="0"/>
+              </a:defRPr>
+            </a:lvl1pPr>
+            <a:lvl2pPr marL="742950" indent="-285750" defTabSz="4389438" eaLnBrk="0" hangingPunct="0">
+              <a:defRPr sz="2200">
+                <a:solidFill>
+                  <a:schemeClr val="tx1"/>
+                </a:solidFill>
+                <a:latin typeface="Arial" charset="0"/>
+              </a:defRPr>
+            </a:lvl2pPr>
+            <a:lvl3pPr marL="1143000" indent="-228600" defTabSz="4389438" eaLnBrk="0" hangingPunct="0">
+              <a:defRPr sz="2200">
+                <a:solidFill>
+                  <a:schemeClr val="tx1"/>
+                </a:solidFill>
+                <a:latin typeface="Arial" charset="0"/>
+              </a:defRPr>
+            </a:lvl3pPr>
+            <a:lvl4pPr marL="1600200" indent="-228600" defTabSz="4389438" eaLnBrk="0" hangingPunct="0">
+              <a:defRPr sz="2200">
+                <a:solidFill>
+                  <a:schemeClr val="tx1"/>
+                </a:solidFill>
+                <a:latin typeface="Arial" charset="0"/>
+              </a:defRPr>
+            </a:lvl4pPr>
+            <a:lvl5pPr marL="2057400" indent="-228600" defTabSz="4389438" eaLnBrk="0" hangingPunct="0">
+              <a:defRPr sz="2200">
+                <a:solidFill>
+                  <a:schemeClr val="tx1"/>
+                </a:solidFill>
+                <a:latin typeface="Arial" charset="0"/>
+              </a:defRPr>
+            </a:lvl5pPr>
+            <a:lvl6pPr marL="2514600" indent="-228600" defTabSz="4389438" eaLnBrk="0" fontAlgn="base" hangingPunct="0">
+              <a:spcBef>
+                <a:spcPct val="0"/>
+              </a:spcBef>
+              <a:spcAft>
+                <a:spcPct val="0"/>
+              </a:spcAft>
+              <a:defRPr sz="2200">
+                <a:solidFill>
+                  <a:schemeClr val="tx1"/>
+                </a:solidFill>
+                <a:latin typeface="Arial" charset="0"/>
+              </a:defRPr>
+            </a:lvl6pPr>
+            <a:lvl7pPr marL="2971800" indent="-228600" defTabSz="4389438" eaLnBrk="0" fontAlgn="base" hangingPunct="0">
+              <a:spcBef>
+                <a:spcPct val="0"/>
+              </a:spcBef>
+              <a:spcAft>
+                <a:spcPct val="0"/>
+              </a:spcAft>
+              <a:defRPr sz="2200">
+                <a:solidFill>
+                  <a:schemeClr val="tx1"/>
+                </a:solidFill>
+                <a:latin typeface="Arial" charset="0"/>
+              </a:defRPr>
+            </a:lvl7pPr>
+            <a:lvl8pPr marL="3429000" indent="-228600" defTabSz="4389438" eaLnBrk="0" fontAlgn="base" hangingPunct="0">
+              <a:spcBef>
+                <a:spcPct val="0"/>
+              </a:spcBef>
+              <a:spcAft>
+                <a:spcPct val="0"/>
+              </a:spcAft>
+              <a:defRPr sz="2200">
+                <a:solidFill>
+                  <a:schemeClr val="tx1"/>
+                </a:solidFill>
+                <a:latin typeface="Arial" charset="0"/>
+              </a:defRPr>
+            </a:lvl8pPr>
+            <a:lvl9pPr marL="3886200" indent="-228600" defTabSz="4389438" eaLnBrk="0" fontAlgn="base" hangingPunct="0">
+              <a:spcBef>
+                <a:spcPct val="0"/>
+              </a:spcBef>
+              <a:spcAft>
+                <a:spcPct val="0"/>
+              </a:spcAft>
+              <a:defRPr sz="2200">
+                <a:solidFill>
+                  <a:schemeClr val="tx1"/>
+                </a:solidFill>
+                <a:latin typeface="Arial" charset="0"/>
+              </a:defRPr>
+            </a:lvl9pPr>
+          </a:lstStyle>
+          <a:p>
+            <a:pPr algn="ctr" eaLnBrk="1" hangingPunct="1"/>
+            <a:r>
+              <a:rPr lang="en-US" sz="1600" b="1" dirty="0">
+                <a:latin typeface="Calibri" pitchFamily="34" charset="0"/>
+              </a:rPr>
+              <a:t>Chart 1.</a:t>
+            </a:r>
+            <a:r>
+              <a:rPr lang="en-US" sz="1600" dirty="0">
+                <a:latin typeface="Calibri" pitchFamily="34" charset="0"/>
+              </a:rPr>
+              <a:t> Residual plots for final models</a:t>
+            </a:r>
+          </a:p>
+        </p:txBody>
+      </p:sp>
     </p:spTree>
     <p:extLst>
       <p:ext uri="{BB962C8B-B14F-4D97-AF65-F5344CB8AC3E}">

--- a/Sigma3-Airbnb-Poster v2.pptx
+++ b/Sigma3-Airbnb-Poster v2.pptx
@@ -222,7 +222,7 @@
           <a:p>
             <a:fld id="{FF66CDD7-09B6-4BB3-9069-2B95837CCCB2}" type="datetimeFigureOut">
               <a:rPr lang="en-US" smtClean="0"/>
-              <a:t>5/3/2019</a:t>
+              <a:t>5/5/2019</a:t>
             </a:fld>
             <a:endParaRPr lang="en-US"/>
           </a:p>
@@ -1876,7 +1876,7 @@
           <a:p>
             <a:fld id="{985D6BDF-9D0E-4E2B-85B8-D8F4790360C9}" type="datetimeFigureOut">
               <a:rPr lang="en-US" smtClean="0"/>
-              <a:t>5/3/2019</a:t>
+              <a:t>5/5/2019</a:t>
             </a:fld>
             <a:endParaRPr lang="en-US" dirty="0"/>
           </a:p>
@@ -2087,7 +2087,7 @@
           <a:p>
             <a:fld id="{985D6BDF-9D0E-4E2B-85B8-D8F4790360C9}" type="datetimeFigureOut">
               <a:rPr lang="en-US" smtClean="0"/>
-              <a:t>5/3/2019</a:t>
+              <a:t>5/5/2019</a:t>
             </a:fld>
             <a:endParaRPr lang="en-US" dirty="0"/>
           </a:p>
@@ -4449,23 +4449,8 @@
                   <a:rPr lang="en-US" sz="2000" dirty="0">
                     <a:latin typeface="Calibri" pitchFamily="34" charset="0"/>
                   </a:rPr>
-                  <a:t> is distributed as Poisson.</a:t>
+                  <a:t> is distributed as Poisson. We also analyze this with an underlying negative binomial distribution as described above.</a:t>
                 </a:r>
-              </a:p>
-              <a:p>
-                <a:pPr eaLnBrk="1" hangingPunct="1"/>
-                <a:r>
-                  <a:rPr lang="en-US" sz="2000" dirty="0">
-                    <a:latin typeface="Calibri" pitchFamily="34" charset="0"/>
-                  </a:rPr>
-                  <a:t>ADD ZERO INFLATED NEGATIVE BINOMIAL</a:t>
-                </a:r>
-              </a:p>
-              <a:p>
-                <a:pPr eaLnBrk="1" hangingPunct="1"/>
-                <a:endParaRPr lang="en-US" sz="2000" dirty="0">
-                  <a:latin typeface="Calibri" pitchFamily="34" charset="0"/>
-                </a:endParaRPr>
               </a:p>
             </p:txBody>
           </p:sp>
@@ -5342,8 +5327,8 @@
           </a:p>
         </p:txBody>
       </p:sp>
-      <mc:AlternateContent xmlns:mc="http://schemas.openxmlformats.org/markup-compatibility/2006">
-        <mc:Choice xmlns:a14="http://schemas.microsoft.com/office/drawing/2010/main" Requires="a14">
+      <mc:AlternateContent xmlns:mc="http://schemas.openxmlformats.org/markup-compatibility/2006" xmlns:a14="http://schemas.microsoft.com/office/drawing/2010/main">
+        <mc:Choice Requires="a14">
           <p:sp>
             <p:nvSpPr>
               <p:cNvPr id="11" name="Text Box 190"/>
@@ -5621,7 +5606,7 @@
             </p:txBody>
           </p:sp>
         </mc:Choice>
-        <mc:Fallback>
+        <mc:Fallback xmlns="">
           <p:sp>
             <p:nvSpPr>
               <p:cNvPr id="11" name="Text Box 190"/>

--- a/Sigma3-Airbnb-Poster v2.pptx
+++ b/Sigma3-Airbnb-Poster v2.pptx
@@ -3463,7 +3463,7 @@
               <a:rPr lang="en-US" sz="2000" dirty="0">
                 <a:latin typeface="Calibri" pitchFamily="34" charset="0"/>
               </a:rPr>
-              <a:t>We tested the Poisson, negative binomial Poisson, quasi-Poisson, zero-inflated Poisson, zero-inflated negative binomial models. We also compared Poisson models with 0 </a:t>
+              <a:t>We tested the Poisson, negative binomial Poisson, quasi-Poisson, zero-inflated Poisson, zero-inflated negative binomial models. We also compared Poisson models with 0 predictors, 1 predictor, and 3 predictors.</a:t>
             </a:r>
           </a:p>
           <a:p>
@@ -3489,7 +3489,7 @@
               <a:rPr lang="en-US" sz="2000" dirty="0">
                 <a:latin typeface="Calibri" pitchFamily="34" charset="0"/>
               </a:rPr>
-              <a:t> value, we decided to not leverage this model.</a:t>
+              <a:t> value, we decided to not utilize this model.</a:t>
             </a:r>
           </a:p>
           <a:p>
@@ -3504,7 +3504,7 @@
               <a:rPr lang="en-US" sz="2000" dirty="0">
                 <a:latin typeface="Calibri" pitchFamily="34" charset="0"/>
               </a:rPr>
-              <a:t>We then compared them using the </a:t>
+              <a:t>We then compared the models using the </a:t>
             </a:r>
             <a:r>
               <a:rPr lang="en-US" sz="2000" dirty="0" err="1">
@@ -3516,7 +3516,22 @@
               <a:rPr lang="en-US" sz="2000" dirty="0">
                 <a:latin typeface="Calibri" pitchFamily="34" charset="0"/>
               </a:rPr>
-              <a:t> test, and concluded that there were clear advantages to both the negative binomial and zero-inflated models, with the zero-inflated negative binomial being the clear winner. All </a:t>
+              <a:t> test since we are comparing non-nested models</a:t>
+            </a:r>
+          </a:p>
+          <a:p>
+            <a:pPr eaLnBrk="1" hangingPunct="1"/>
+            <a:endParaRPr lang="en-US" sz="2000" dirty="0">
+              <a:latin typeface="Calibri" pitchFamily="34" charset="0"/>
+            </a:endParaRPr>
+          </a:p>
+          <a:p>
+            <a:pPr eaLnBrk="1" hangingPunct="1"/>
+            <a:r>
+              <a:rPr lang="en-US" sz="2000" dirty="0">
+                <a:latin typeface="Calibri" pitchFamily="34" charset="0"/>
+              </a:rPr>
+              <a:t>The results showed clear advantages to both the negative binomial and zero-inflated models, with the zero-inflated negative binomial being the clear winner. All </a:t>
             </a:r>
             <a:r>
               <a:rPr lang="en-US" sz="2000" dirty="0" err="1">
